--- a/Ppt_rmarkdown_shiny.pptx
+++ b/Ppt_rmarkdown_shiny.pptx
@@ -5,10 +5,10 @@
     <p:sldMasterId id="2147483712" r:id="rId4"/>
   </p:sldMasterIdLst>
   <p:notesMasterIdLst>
-    <p:notesMasterId r:id="rId18"/>
+    <p:notesMasterId r:id="rId20"/>
   </p:notesMasterIdLst>
   <p:handoutMasterIdLst>
-    <p:handoutMasterId r:id="rId19"/>
+    <p:handoutMasterId r:id="rId21"/>
   </p:handoutMasterIdLst>
   <p:sldIdLst>
     <p:sldId id="257" r:id="rId5"/>
@@ -18,12 +18,14 @@
     <p:sldId id="288" r:id="rId9"/>
     <p:sldId id="282" r:id="rId10"/>
     <p:sldId id="284" r:id="rId11"/>
-    <p:sldId id="283" r:id="rId12"/>
-    <p:sldId id="285" r:id="rId13"/>
-    <p:sldId id="286" r:id="rId14"/>
-    <p:sldId id="287" r:id="rId15"/>
-    <p:sldId id="289" r:id="rId16"/>
-    <p:sldId id="278" r:id="rId17"/>
+    <p:sldId id="291" r:id="rId12"/>
+    <p:sldId id="292" r:id="rId13"/>
+    <p:sldId id="283" r:id="rId14"/>
+    <p:sldId id="285" r:id="rId15"/>
+    <p:sldId id="286" r:id="rId16"/>
+    <p:sldId id="287" r:id="rId17"/>
+    <p:sldId id="289" r:id="rId18"/>
+    <p:sldId id="278" r:id="rId19"/>
   </p:sldIdLst>
   <p:sldSz cx="12192000" cy="6858000"/>
   <p:notesSz cx="6858000" cy="9144000"/>
@@ -227,7 +229,7 @@
           <a:p>
             <a:fld id="{D24A36AA-A16A-4242-B0BC-4BB7D36FE1BC}" type="datetimeFigureOut">
               <a:rPr lang="es-ES" smtClean="0"/>
-              <a:t>23/09/2020</a:t>
+              <a:t>24/09/2020</a:t>
             </a:fld>
             <a:endParaRPr lang="es-ES"/>
           </a:p>
@@ -405,7 +407,7 @@
           <a:p>
             <a:fld id="{25CC16F1-93EE-4417-B7A5-AE99B971801A}" type="datetimeFigureOut">
               <a:rPr lang="es-ES" noProof="0" smtClean="0"/>
-              <a:t>23/09/2020</a:t>
+              <a:t>24/09/2020</a:t>
             </a:fld>
             <a:endParaRPr lang="es-ES" noProof="0"/>
           </a:p>
@@ -1242,7 +1244,7 @@
           <a:p>
             <a:fld id="{62B03A06-698E-45C4-9FD4-AEA0EC5D1219}" type="slidenum">
               <a:rPr lang="es-ES" smtClean="0"/>
-              <a:t>8</a:t>
+              <a:t>10</a:t>
             </a:fld>
             <a:endParaRPr lang="es-ES"/>
           </a:p>
@@ -1326,7 +1328,7 @@
           <a:p>
             <a:fld id="{62B03A06-698E-45C4-9FD4-AEA0EC5D1219}" type="slidenum">
               <a:rPr lang="es-ES" smtClean="0"/>
-              <a:t>9</a:t>
+              <a:t>11</a:t>
             </a:fld>
             <a:endParaRPr lang="es-ES"/>
           </a:p>
@@ -1410,7 +1412,7 @@
           <a:p>
             <a:fld id="{62B03A06-698E-45C4-9FD4-AEA0EC5D1219}" type="slidenum">
               <a:rPr lang="es-ES" smtClean="0"/>
-              <a:t>13</a:t>
+              <a:t>15</a:t>
             </a:fld>
             <a:endParaRPr lang="es-ES"/>
           </a:p>
@@ -1430,7 +1432,7 @@
 </file>
 
 <file path=ppt/slideLayouts/slideLayout1.xml><?xml version="1.0" encoding="utf-8"?>
-<p:sldLayout xmlns:a="http://schemas.openxmlformats.org/drawingml/2006/main" xmlns:r="http://schemas.openxmlformats.org/officeDocument/2006/relationships" xmlns:p="http://schemas.openxmlformats.org/presentationml/2006/main" type="title" preserve="1">
+<p:sldLayout xmlns:a="http://schemas.openxmlformats.org/drawingml/2006/main" xmlns:r="http://schemas.openxmlformats.org/officeDocument/2006/relationships" xmlns:p="http://schemas.openxmlformats.org/presentationml/2006/main" showMasterSp="0" type="title" preserve="1">
   <p:cSld name="Diapositiva de título">
     <p:spTree>
       <p:nvGrpSpPr>
@@ -1524,7 +1526,7 @@
           <a:effectLst/>
           <a:extLst>
             <a:ext uri="{91240B29-F687-4f45-9708-019B960494DF}">
-              <a14:hiddenLine xmlns="" xmlns:a14="http://schemas.microsoft.com/office/drawing/2010/main" w="9525">
+              <a14:hiddenLine xmlns:a14="http://schemas.microsoft.com/office/drawing/2010/main" xmlns="" w="9525">
                 <a:solidFill>
                   <a:srgbClr val="000000"/>
                 </a:solidFill>
@@ -1717,7 +1719,7 @@
             <a:pPr rtl="0"/>
             <a:fld id="{0A294020-7810-43C5-87F0-8AFC23793465}" type="datetime1">
               <a:rPr lang="es-ES" noProof="0" smtClean="0"/>
-              <a:t>23/09/2020</a:t>
+              <a:t>24/09/2020</a:t>
             </a:fld>
             <a:endParaRPr lang="es-ES" noProof="0"/>
           </a:p>
@@ -1782,7 +1784,7 @@
 </file>
 
 <file path=ppt/slideLayouts/slideLayout10.xml><?xml version="1.0" encoding="utf-8"?>
-<p:sldLayout xmlns:a="http://schemas.openxmlformats.org/drawingml/2006/main" xmlns:r="http://schemas.openxmlformats.org/officeDocument/2006/relationships" xmlns:p="http://schemas.openxmlformats.org/presentationml/2006/main" preserve="1">
+<p:sldLayout xmlns:a="http://schemas.openxmlformats.org/drawingml/2006/main" xmlns:r="http://schemas.openxmlformats.org/officeDocument/2006/relationships" xmlns:p="http://schemas.openxmlformats.org/presentationml/2006/main" showMasterSp="0" preserve="1">
   <p:cSld name="Imagen panorámica con leyenda">
     <p:spTree>
       <p:nvGrpSpPr>
@@ -2039,7 +2041,7 @@
             <a:pPr rtl="0"/>
             <a:fld id="{6EDD3615-274F-4866-A368-6F1376179ABB}" type="datetime1">
               <a:rPr lang="es-ES" noProof="0" smtClean="0"/>
-              <a:t>23/09/2020</a:t>
+              <a:t>24/09/2020</a:t>
             </a:fld>
             <a:endParaRPr lang="es-ES" noProof="0"/>
           </a:p>
@@ -2104,7 +2106,7 @@
 </file>
 
 <file path=ppt/slideLayouts/slideLayout11.xml><?xml version="1.0" encoding="utf-8"?>
-<p:sldLayout xmlns:a="http://schemas.openxmlformats.org/drawingml/2006/main" xmlns:r="http://schemas.openxmlformats.org/officeDocument/2006/relationships" xmlns:p="http://schemas.openxmlformats.org/presentationml/2006/main" preserve="1">
+<p:sldLayout xmlns:a="http://schemas.openxmlformats.org/drawingml/2006/main" xmlns:r="http://schemas.openxmlformats.org/officeDocument/2006/relationships" xmlns:p="http://schemas.openxmlformats.org/presentationml/2006/main" showMasterSp="0" preserve="1">
   <p:cSld name="Cita con título">
     <p:spTree>
       <p:nvGrpSpPr>
@@ -2531,7 +2533,7 @@
             <a:pPr rtl="0"/>
             <a:fld id="{518265BA-EA5E-48A8-96CE-34CBE1DBD58A}" type="datetime1">
               <a:rPr lang="es-ES" noProof="0" smtClean="0"/>
-              <a:t>23/09/2020</a:t>
+              <a:t>24/09/2020</a:t>
             </a:fld>
             <a:endParaRPr lang="es-ES" noProof="0"/>
           </a:p>
@@ -2596,7 +2598,7 @@
 </file>
 
 <file path=ppt/slideLayouts/slideLayout12.xml><?xml version="1.0" encoding="utf-8"?>
-<p:sldLayout xmlns:a="http://schemas.openxmlformats.org/drawingml/2006/main" xmlns:r="http://schemas.openxmlformats.org/officeDocument/2006/relationships" xmlns:p="http://schemas.openxmlformats.org/presentationml/2006/main" preserve="1">
+<p:sldLayout xmlns:a="http://schemas.openxmlformats.org/drawingml/2006/main" xmlns:r="http://schemas.openxmlformats.org/officeDocument/2006/relationships" xmlns:p="http://schemas.openxmlformats.org/presentationml/2006/main" showMasterSp="0" preserve="1">
   <p:cSld name="Tarjeta de nombre">
     <p:spTree>
       <p:nvGrpSpPr>
@@ -2904,7 +2906,7 @@
             <a:pPr rtl="0"/>
             <a:fld id="{823F5E70-6DF0-4431-9418-0DF995951863}" type="datetime1">
               <a:rPr lang="es-ES" noProof="0" smtClean="0"/>
-              <a:t>23/09/2020</a:t>
+              <a:t>24/09/2020</a:t>
             </a:fld>
             <a:endParaRPr lang="es-ES" noProof="0"/>
           </a:p>
@@ -2969,7 +2971,7 @@
 </file>
 
 <file path=ppt/slideLayouts/slideLayout13.xml><?xml version="1.0" encoding="utf-8"?>
-<p:sldLayout xmlns:a="http://schemas.openxmlformats.org/drawingml/2006/main" xmlns:r="http://schemas.openxmlformats.org/officeDocument/2006/relationships" xmlns:p="http://schemas.openxmlformats.org/presentationml/2006/main" type="vertTx" preserve="1">
+<p:sldLayout xmlns:a="http://schemas.openxmlformats.org/drawingml/2006/main" xmlns:r="http://schemas.openxmlformats.org/officeDocument/2006/relationships" xmlns:p="http://schemas.openxmlformats.org/presentationml/2006/main" showMasterSp="0" type="vertTx" preserve="1">
   <p:cSld name="Título y texto vertical">
     <p:spTree>
       <p:nvGrpSpPr>
@@ -3062,7 +3064,7 @@
           <a:ln/>
           <a:extLst>
             <a:ext uri="{91240B29-F687-4f45-9708-019B960494DF}">
-              <a14:hiddenLine xmlns="" xmlns:a14="http://schemas.microsoft.com/office/drawing/2010/main" w="9525">
+              <a14:hiddenLine xmlns:a14="http://schemas.microsoft.com/office/drawing/2010/main" xmlns="" w="9525">
                 <a:solidFill>
                   <a:srgbClr val="000000"/>
                 </a:solidFill>
@@ -3180,7 +3182,7 @@
             <a:pPr rtl="0"/>
             <a:fld id="{E84016BF-4DA4-485A-8AB3-E6D9F1FAEFB5}" type="datetime1">
               <a:rPr lang="es-ES" noProof="0" smtClean="0"/>
-              <a:t>23/09/2020</a:t>
+              <a:t>24/09/2020</a:t>
             </a:fld>
             <a:endParaRPr lang="es-ES" noProof="0"/>
           </a:p>
@@ -3245,7 +3247,7 @@
 </file>
 
 <file path=ppt/slideLayouts/slideLayout14.xml><?xml version="1.0" encoding="utf-8"?>
-<p:sldLayout xmlns:a="http://schemas.openxmlformats.org/drawingml/2006/main" xmlns:r="http://schemas.openxmlformats.org/officeDocument/2006/relationships" xmlns:p="http://schemas.openxmlformats.org/presentationml/2006/main" type="vertTitleAndTx" preserve="1">
+<p:sldLayout xmlns:a="http://schemas.openxmlformats.org/drawingml/2006/main" xmlns:r="http://schemas.openxmlformats.org/officeDocument/2006/relationships" xmlns:p="http://schemas.openxmlformats.org/presentationml/2006/main" showMasterSp="0" type="vertTitleAndTx" preserve="1">
   <p:cSld name="Título vertical y texto">
     <p:spTree>
       <p:nvGrpSpPr>
@@ -3340,7 +3342,7 @@
           <a:ln/>
           <a:extLst>
             <a:ext uri="{91240B29-F687-4f45-9708-019B960494DF}">
-              <a14:hiddenLine xmlns="" xmlns:a14="http://schemas.microsoft.com/office/drawing/2010/main" w="9525">
+              <a14:hiddenLine xmlns:a14="http://schemas.microsoft.com/office/drawing/2010/main" xmlns="" w="9525">
                 <a:solidFill>
                   <a:srgbClr val="000000"/>
                 </a:solidFill>
@@ -3468,7 +3470,7 @@
             <a:pPr rtl="0"/>
             <a:fld id="{856F1D69-67AC-4E07-964A-EFB75990DEA4}" type="datetime1">
               <a:rPr lang="es-ES" noProof="0" smtClean="0"/>
-              <a:t>23/09/2020</a:t>
+              <a:t>24/09/2020</a:t>
             </a:fld>
             <a:endParaRPr lang="es-ES" noProof="0"/>
           </a:p>
@@ -3533,7 +3535,7 @@
 </file>
 
 <file path=ppt/slideLayouts/slideLayout2.xml><?xml version="1.0" encoding="utf-8"?>
-<p:sldLayout xmlns:a="http://schemas.openxmlformats.org/drawingml/2006/main" xmlns:r="http://schemas.openxmlformats.org/officeDocument/2006/relationships" xmlns:p="http://schemas.openxmlformats.org/presentationml/2006/main" type="obj" preserve="1">
+<p:sldLayout xmlns:a="http://schemas.openxmlformats.org/drawingml/2006/main" xmlns:r="http://schemas.openxmlformats.org/officeDocument/2006/relationships" xmlns:p="http://schemas.openxmlformats.org/presentationml/2006/main" showMasterSp="0" type="obj" preserve="1">
   <p:cSld name="Título y contenido">
     <p:spTree>
       <p:nvGrpSpPr>
@@ -3626,7 +3628,7 @@
           <a:ln/>
           <a:extLst>
             <a:ext uri="{91240B29-F687-4f45-9708-019B960494DF}">
-              <a14:hiddenLine xmlns="" xmlns:a14="http://schemas.microsoft.com/office/drawing/2010/main" w="9525">
+              <a14:hiddenLine xmlns:a14="http://schemas.microsoft.com/office/drawing/2010/main" xmlns="" w="9525">
                 <a:solidFill>
                   <a:srgbClr val="000000"/>
                 </a:solidFill>
@@ -3754,7 +3756,7 @@
             <a:pPr rtl="0"/>
             <a:fld id="{ED6EC0A6-1914-417A-8F69-F81059B7FC58}" type="datetime1">
               <a:rPr lang="es-ES" noProof="0" smtClean="0"/>
-              <a:t>23/09/2020</a:t>
+              <a:t>24/09/2020</a:t>
             </a:fld>
             <a:endParaRPr lang="es-ES" noProof="0"/>
           </a:p>
@@ -3819,7 +3821,7 @@
 </file>
 
 <file path=ppt/slideLayouts/slideLayout3.xml><?xml version="1.0" encoding="utf-8"?>
-<p:sldLayout xmlns:a="http://schemas.openxmlformats.org/drawingml/2006/main" xmlns:r="http://schemas.openxmlformats.org/officeDocument/2006/relationships" xmlns:p="http://schemas.openxmlformats.org/presentationml/2006/main" type="secHead" preserve="1">
+<p:sldLayout xmlns:a="http://schemas.openxmlformats.org/drawingml/2006/main" xmlns:r="http://schemas.openxmlformats.org/officeDocument/2006/relationships" xmlns:p="http://schemas.openxmlformats.org/presentationml/2006/main" showMasterSp="0" type="secHead" preserve="1">
   <p:cSld name="Encabezado de sección">
     <p:spTree>
       <p:nvGrpSpPr>
@@ -4101,7 +4103,7 @@
             <a:pPr rtl="0"/>
             <a:fld id="{BDF0B28A-3F67-4345-BA7F-EF56E080E381}" type="datetime1">
               <a:rPr lang="es-ES" noProof="0" smtClean="0"/>
-              <a:t>23/09/2020</a:t>
+              <a:t>24/09/2020</a:t>
             </a:fld>
             <a:endParaRPr lang="es-ES" noProof="0"/>
           </a:p>
@@ -4166,7 +4168,7 @@
 </file>
 
 <file path=ppt/slideLayouts/slideLayout4.xml><?xml version="1.0" encoding="utf-8"?>
-<p:sldLayout xmlns:a="http://schemas.openxmlformats.org/drawingml/2006/main" xmlns:r="http://schemas.openxmlformats.org/officeDocument/2006/relationships" xmlns:p="http://schemas.openxmlformats.org/presentationml/2006/main" type="twoObj" preserve="1">
+<p:sldLayout xmlns:a="http://schemas.openxmlformats.org/drawingml/2006/main" xmlns:r="http://schemas.openxmlformats.org/officeDocument/2006/relationships" xmlns:p="http://schemas.openxmlformats.org/presentationml/2006/main" showMasterSp="0" type="twoObj" preserve="1">
   <p:cSld name="Dos objetos">
     <p:spTree>
       <p:nvGrpSpPr>
@@ -4259,7 +4261,7 @@
           <a:ln/>
           <a:extLst>
             <a:ext uri="{91240B29-F687-4f45-9708-019B960494DF}">
-              <a14:hiddenLine xmlns="" xmlns:a14="http://schemas.microsoft.com/office/drawing/2010/main" w="9525">
+              <a14:hiddenLine xmlns:a14="http://schemas.microsoft.com/office/drawing/2010/main" xmlns="" w="9525">
                 <a:solidFill>
                   <a:srgbClr val="000000"/>
                 </a:solidFill>
@@ -4442,7 +4444,7 @@
             <a:pPr rtl="0"/>
             <a:fld id="{76CC2485-0A65-4E9A-A7ED-904318898562}" type="datetime1">
               <a:rPr lang="es-ES" noProof="0" smtClean="0"/>
-              <a:t>23/09/2020</a:t>
+              <a:t>24/09/2020</a:t>
             </a:fld>
             <a:endParaRPr lang="es-ES" noProof="0"/>
           </a:p>
@@ -4507,7 +4509,7 @@
 </file>
 
 <file path=ppt/slideLayouts/slideLayout5.xml><?xml version="1.0" encoding="utf-8"?>
-<p:sldLayout xmlns:a="http://schemas.openxmlformats.org/drawingml/2006/main" xmlns:r="http://schemas.openxmlformats.org/officeDocument/2006/relationships" xmlns:p="http://schemas.openxmlformats.org/presentationml/2006/main" type="twoTxTwoObj" preserve="1">
+<p:sldLayout xmlns:a="http://schemas.openxmlformats.org/drawingml/2006/main" xmlns:r="http://schemas.openxmlformats.org/officeDocument/2006/relationships" xmlns:p="http://schemas.openxmlformats.org/presentationml/2006/main" showMasterSp="0" type="twoTxTwoObj" preserve="1">
   <p:cSld name="Comparación">
     <p:spTree>
       <p:nvGrpSpPr>
@@ -4600,7 +4602,7 @@
           <a:ln/>
           <a:extLst>
             <a:ext uri="{91240B29-F687-4f45-9708-019B960494DF}">
-              <a14:hiddenLine xmlns="" xmlns:a14="http://schemas.microsoft.com/office/drawing/2010/main" w="9525">
+              <a14:hiddenLine xmlns:a14="http://schemas.microsoft.com/office/drawing/2010/main" xmlns="" w="9525">
                 <a:solidFill>
                   <a:srgbClr val="000000"/>
                 </a:solidFill>
@@ -4921,7 +4923,7 @@
             <a:pPr rtl="0"/>
             <a:fld id="{370597BC-F846-43B9-96BC-F8728E37EC67}" type="datetime1">
               <a:rPr lang="es-ES" noProof="0" smtClean="0"/>
-              <a:t>23/09/2020</a:t>
+              <a:t>24/09/2020</a:t>
             </a:fld>
             <a:endParaRPr lang="es-ES" noProof="0"/>
           </a:p>
@@ -4986,7 +4988,7 @@
 </file>
 
 <file path=ppt/slideLayouts/slideLayout6.xml><?xml version="1.0" encoding="utf-8"?>
-<p:sldLayout xmlns:a="http://schemas.openxmlformats.org/drawingml/2006/main" xmlns:r="http://schemas.openxmlformats.org/officeDocument/2006/relationships" xmlns:p="http://schemas.openxmlformats.org/presentationml/2006/main" type="titleOnly" preserve="1">
+<p:sldLayout xmlns:a="http://schemas.openxmlformats.org/drawingml/2006/main" xmlns:r="http://schemas.openxmlformats.org/officeDocument/2006/relationships" xmlns:p="http://schemas.openxmlformats.org/presentationml/2006/main" showMasterSp="0" type="titleOnly" preserve="1">
   <p:cSld name="Solo el título">
     <p:spTree>
       <p:nvGrpSpPr>
@@ -5079,7 +5081,7 @@
           <a:ln/>
           <a:extLst>
             <a:ext uri="{91240B29-F687-4f45-9708-019B960494DF}">
-              <a14:hiddenLine xmlns="" xmlns:a14="http://schemas.microsoft.com/office/drawing/2010/main" w="9525">
+              <a14:hiddenLine xmlns:a14="http://schemas.microsoft.com/office/drawing/2010/main" xmlns="" w="9525">
                 <a:solidFill>
                   <a:srgbClr val="000000"/>
                 </a:solidFill>
@@ -5146,7 +5148,7 @@
             <a:pPr rtl="0"/>
             <a:fld id="{D6A3531E-B4E5-4914-B89D-9C098386C7CA}" type="datetime1">
               <a:rPr lang="es-ES" noProof="0" smtClean="0"/>
-              <a:t>23/09/2020</a:t>
+              <a:t>24/09/2020</a:t>
             </a:fld>
             <a:endParaRPr lang="es-ES" noProof="0"/>
           </a:p>
@@ -5211,7 +5213,7 @@
 </file>
 
 <file path=ppt/slideLayouts/slideLayout7.xml><?xml version="1.0" encoding="utf-8"?>
-<p:sldLayout xmlns:a="http://schemas.openxmlformats.org/drawingml/2006/main" xmlns:r="http://schemas.openxmlformats.org/officeDocument/2006/relationships" xmlns:p="http://schemas.openxmlformats.org/presentationml/2006/main" type="blank" preserve="1">
+<p:sldLayout xmlns:a="http://schemas.openxmlformats.org/drawingml/2006/main" xmlns:r="http://schemas.openxmlformats.org/officeDocument/2006/relationships" xmlns:p="http://schemas.openxmlformats.org/presentationml/2006/main" showMasterSp="0" type="blank" preserve="1">
   <p:cSld name="En blanco">
     <p:spTree>
       <p:nvGrpSpPr>
@@ -5245,7 +5247,7 @@
             <a:pPr rtl="0"/>
             <a:fld id="{2271FA9E-27E6-4DCE-BB65-31630E1C8EAB}" type="datetime1">
               <a:rPr lang="es-ES" noProof="0" smtClean="0"/>
-              <a:t>23/09/2020</a:t>
+              <a:t>24/09/2020</a:t>
             </a:fld>
             <a:endParaRPr lang="es-ES" noProof="0"/>
           </a:p>
@@ -5310,7 +5312,7 @@
 </file>
 
 <file path=ppt/slideLayouts/slideLayout8.xml><?xml version="1.0" encoding="utf-8"?>
-<p:sldLayout xmlns:a="http://schemas.openxmlformats.org/drawingml/2006/main" xmlns:r="http://schemas.openxmlformats.org/officeDocument/2006/relationships" xmlns:p="http://schemas.openxmlformats.org/presentationml/2006/main" type="objTx" preserve="1">
+<p:sldLayout xmlns:a="http://schemas.openxmlformats.org/drawingml/2006/main" xmlns:r="http://schemas.openxmlformats.org/officeDocument/2006/relationships" xmlns:p="http://schemas.openxmlformats.org/presentationml/2006/main" showMasterSp="0" type="objTx" preserve="1">
   <p:cSld name="Contenido con título">
     <p:spTree>
       <p:nvGrpSpPr>
@@ -5516,7 +5518,7 @@
           <a:ln/>
           <a:extLst>
             <a:ext uri="{91240B29-F687-4f45-9708-019B960494DF}">
-              <a14:hiddenLine xmlns="" xmlns:a14="http://schemas.microsoft.com/office/drawing/2010/main" w="9525">
+              <a14:hiddenLine xmlns:a14="http://schemas.microsoft.com/office/drawing/2010/main" xmlns="" w="9525">
                 <a:solidFill>
                   <a:srgbClr val="000000"/>
                 </a:solidFill>
@@ -5715,7 +5717,7 @@
             <a:pPr rtl="0"/>
             <a:fld id="{0680FCFA-4558-40D0-BE03-0422FBC31D65}" type="datetime1">
               <a:rPr lang="es-ES" noProof="0" smtClean="0"/>
-              <a:t>23/09/2020</a:t>
+              <a:t>24/09/2020</a:t>
             </a:fld>
             <a:endParaRPr lang="es-ES" noProof="0"/>
           </a:p>
@@ -5780,7 +5782,7 @@
 </file>
 
 <file path=ppt/slideLayouts/slideLayout9.xml><?xml version="1.0" encoding="utf-8"?>
-<p:sldLayout xmlns:a="http://schemas.openxmlformats.org/drawingml/2006/main" xmlns:r="http://schemas.openxmlformats.org/officeDocument/2006/relationships" xmlns:p="http://schemas.openxmlformats.org/presentationml/2006/main" type="picTx" preserve="1">
+<p:sldLayout xmlns:a="http://schemas.openxmlformats.org/drawingml/2006/main" xmlns:r="http://schemas.openxmlformats.org/officeDocument/2006/relationships" xmlns:p="http://schemas.openxmlformats.org/presentationml/2006/main" showMasterSp="0" type="picTx" preserve="1">
   <p:cSld name="Imagen con leyenda">
     <p:spTree>
       <p:nvGrpSpPr>
@@ -6032,7 +6034,7 @@
             <a:pPr rtl="0"/>
             <a:fld id="{5765B651-1A4F-494E-A2CD-80B79618D9BF}" type="datetime1">
               <a:rPr lang="es-ES" noProof="0" smtClean="0"/>
-              <a:t>23/09/2020</a:t>
+              <a:t>24/09/2020</a:t>
             </a:fld>
             <a:endParaRPr lang="es-ES" noProof="0"/>
           </a:p>
@@ -6112,9 +6114,9 @@
     <p:bg>
       <p:bgPr>
         <a:solidFill>
-          <a:schemeClr val="accent4">
-            <a:lumMod val="20000"/>
-            <a:lumOff val="80000"/>
+          <a:schemeClr val="accent6">
+            <a:lumMod val="40000"/>
+            <a:lumOff val="60000"/>
           </a:schemeClr>
         </a:solidFill>
         <a:effectLst/>
@@ -6312,7 +6314,7 @@
             <a:pPr rtl="0"/>
             <a:fld id="{AA13370F-AFD5-4EF1-99E8-08D8CCCE6CFD}" type="datetime1">
               <a:rPr lang="es-ES" noProof="0" smtClean="0"/>
-              <a:t>23/09/2020</a:t>
+              <a:t>24/09/2020</a:t>
             </a:fld>
             <a:endParaRPr lang="es-ES" noProof="0"/>
           </a:p>
@@ -6748,7 +6750,7 @@
 </file>
 
 <file path=ppt/slides/slide1.xml><?xml version="1.0" encoding="utf-8"?>
-<p:sld xmlns:a="http://schemas.openxmlformats.org/drawingml/2006/main" xmlns:r="http://schemas.openxmlformats.org/officeDocument/2006/relationships" xmlns:p="http://schemas.openxmlformats.org/presentationml/2006/main">
+<p:sld xmlns:a="http://schemas.openxmlformats.org/drawingml/2006/main" xmlns:r="http://schemas.openxmlformats.org/officeDocument/2006/relationships" xmlns:p="http://schemas.openxmlformats.org/presentationml/2006/main" showMasterSp="0">
   <p:cSld>
     <p:spTree>
       <p:nvGrpSpPr>
@@ -6971,6 +6973,36 @@
           </a:p>
         </p:txBody>
       </p:sp>
+      <p:pic>
+        <p:nvPicPr>
+          <p:cNvPr id="5" name="Imagen 4">
+            <a:extLst>
+              <a:ext uri="{FF2B5EF4-FFF2-40B4-BE49-F238E27FC236}">
+                <a16:creationId xmlns:a16="http://schemas.microsoft.com/office/drawing/2014/main" id="{4FC7D7C0-19A4-4D1B-B01F-DAE113ECCA02}"/>
+              </a:ext>
+            </a:extLst>
+          </p:cNvPr>
+          <p:cNvPicPr>
+            <a:picLocks noChangeAspect="1"/>
+          </p:cNvPicPr>
+          <p:nvPr/>
+        </p:nvPicPr>
+        <p:blipFill>
+          <a:blip r:embed="rId4"/>
+          <a:stretch>
+            <a:fillRect/>
+          </a:stretch>
+        </p:blipFill>
+        <p:spPr>
+          <a:xfrm>
+            <a:off x="10951028" y="709945"/>
+            <a:ext cx="1240972" cy="1116874"/>
+          </a:xfrm>
+          <a:prstGeom prst="rect">
+            <a:avLst/>
+          </a:prstGeom>
+        </p:spPr>
+      </p:pic>
     </p:spTree>
     <p:extLst>
       <p:ext uri="{BB962C8B-B14F-4D97-AF65-F5344CB8AC3E}">
@@ -6985,8 +7017,16 @@
 </file>
 
 <file path=ppt/slides/slide10.xml><?xml version="1.0" encoding="utf-8"?>
-<p:sld xmlns:a="http://schemas.openxmlformats.org/drawingml/2006/main" xmlns:r="http://schemas.openxmlformats.org/officeDocument/2006/relationships" xmlns:p="http://schemas.openxmlformats.org/presentationml/2006/main">
+<p:sld xmlns:a="http://schemas.openxmlformats.org/drawingml/2006/main" xmlns:r="http://schemas.openxmlformats.org/officeDocument/2006/relationships" xmlns:p="http://schemas.openxmlformats.org/presentationml/2006/main" showMasterSp="0">
   <p:cSld>
+    <p:bg>
+      <p:bgPr>
+        <a:solidFill>
+          <a:schemeClr val="bg1"/>
+        </a:solidFill>
+        <a:effectLst/>
+      </p:bgPr>
+    </p:bg>
     <p:spTree>
       <p:nvGrpSpPr>
         <p:cNvPr id="1" name=""/>
@@ -7001,6 +7041,1008 @@
           <a:chExt cx="0" cy="0"/>
         </a:xfrm>
       </p:grpSpPr>
+      <p:sp useBgFill="1">
+        <p:nvSpPr>
+          <p:cNvPr id="11" name="Rectángulo 10">
+            <a:extLst>
+              <a:ext uri="{FF2B5EF4-FFF2-40B4-BE49-F238E27FC236}">
+                <a16:creationId xmlns:a16="http://schemas.microsoft.com/office/drawing/2014/main" id="{60344C5B-468D-40BA-8562-BB2A6E423847}"/>
+              </a:ext>
+              <a:ext uri="{C183D7F6-B498-43B3-948B-1728B52AA6E4}">
+                <adec:decorative xmlns:adec="http://schemas.microsoft.com/office/drawing/2017/decorative" val="1"/>
+              </a:ext>
+            </a:extLst>
+          </p:cNvPr>
+          <p:cNvSpPr>
+            <a:spLocks noGrp="1" noRot="1" noChangeAspect="1" noMove="1" noResize="1" noEditPoints="1" noAdjustHandles="1" noChangeArrowheads="1" noChangeShapeType="1" noTextEdit="1"/>
+          </p:cNvSpPr>
+          <p:nvPr>
+            <p:extLst>
+              <p:ext uri="{386F3935-93C4-4BCD-93E2-E3B085C9AB24}">
+                <p16:designElem xmlns:p16="http://schemas.microsoft.com/office/powerpoint/2015/main" val="1"/>
+              </p:ext>
+            </p:extLst>
+          </p:nvPr>
+        </p:nvSpPr>
+        <p:spPr>
+          <a:xfrm>
+            <a:off x="0" y="0"/>
+            <a:ext cx="12192000" cy="6858000"/>
+          </a:xfrm>
+          <a:prstGeom prst="rect">
+            <a:avLst/>
+          </a:prstGeom>
+          <a:ln>
+            <a:noFill/>
+          </a:ln>
+        </p:spPr>
+        <p:style>
+          <a:lnRef idx="2">
+            <a:schemeClr val="accent1">
+              <a:shade val="50000"/>
+            </a:schemeClr>
+          </a:lnRef>
+          <a:fillRef idx="1">
+            <a:schemeClr val="accent1"/>
+          </a:fillRef>
+          <a:effectRef idx="0">
+            <a:schemeClr val="accent1"/>
+          </a:effectRef>
+          <a:fontRef idx="minor">
+            <a:schemeClr val="lt1"/>
+          </a:fontRef>
+        </p:style>
+        <p:txBody>
+          <a:bodyPr rtlCol="0" anchor="ctr"/>
+          <a:lstStyle/>
+          <a:p>
+            <a:pPr algn="ctr" rtl="0"/>
+            <a:endParaRPr lang="es-ES" noProof="1"/>
+          </a:p>
+        </p:txBody>
+      </p:sp>
+      <p:sp>
+        <p:nvSpPr>
+          <p:cNvPr id="13" name="Forma libre 23">
+            <a:extLst>
+              <a:ext uri="{FF2B5EF4-FFF2-40B4-BE49-F238E27FC236}">
+                <a16:creationId xmlns:a16="http://schemas.microsoft.com/office/drawing/2014/main" id="{ECAA8197-DF89-4B95-92DB-575C8AFFACA7}"/>
+              </a:ext>
+              <a:ext uri="{C183D7F6-B498-43B3-948B-1728B52AA6E4}">
+                <adec:decorative xmlns:adec="http://schemas.microsoft.com/office/drawing/2017/decorative" val="1"/>
+              </a:ext>
+            </a:extLst>
+          </p:cNvPr>
+          <p:cNvSpPr>
+            <a:spLocks noGrp="1" noRot="1" noChangeAspect="1" noMove="1" noResize="1" noEditPoints="1" noAdjustHandles="1" noChangeArrowheads="1" noChangeShapeType="1" noTextEdit="1"/>
+          </p:cNvSpPr>
+          <p:nvPr>
+            <p:extLst>
+              <p:ext uri="{386F3935-93C4-4BCD-93E2-E3B085C9AB24}">
+                <p16:designElem xmlns:p16="http://schemas.microsoft.com/office/powerpoint/2015/main" val="1"/>
+              </p:ext>
+            </p:extLst>
+          </p:nvPr>
+        </p:nvSpPr>
+        <p:spPr bwMode="white">
+          <a:xfrm flipH="1">
+            <a:off x="7554995" y="0"/>
+            <a:ext cx="4637005" cy="6858000"/>
+          </a:xfrm>
+          <a:custGeom>
+            <a:avLst/>
+            <a:gdLst>
+              <a:gd name="connsiteX0" fmla="*/ 0 w 4637005"/>
+              <a:gd name="connsiteY0" fmla="*/ 0 h 6858000"/>
+              <a:gd name="connsiteX1" fmla="*/ 4637005 w 4637005"/>
+              <a:gd name="connsiteY1" fmla="*/ 0 h 6858000"/>
+              <a:gd name="connsiteX2" fmla="*/ 4637005 w 4637005"/>
+              <a:gd name="connsiteY2" fmla="*/ 1900238 h 6858000"/>
+              <a:gd name="connsiteX3" fmla="*/ 4266589 w 4637005"/>
+              <a:gd name="connsiteY3" fmla="*/ 2178050 h 6858000"/>
+              <a:gd name="connsiteX4" fmla="*/ 4262355 w 4637005"/>
+              <a:gd name="connsiteY4" fmla="*/ 2184400 h 6858000"/>
+              <a:gd name="connsiteX5" fmla="*/ 4256005 w 4637005"/>
+              <a:gd name="connsiteY5" fmla="*/ 2193925 h 6858000"/>
+              <a:gd name="connsiteX6" fmla="*/ 4249655 w 4637005"/>
+              <a:gd name="connsiteY6" fmla="*/ 2201863 h 6858000"/>
+              <a:gd name="connsiteX7" fmla="*/ 4249655 w 4637005"/>
+              <a:gd name="connsiteY7" fmla="*/ 2211388 h 6858000"/>
+              <a:gd name="connsiteX8" fmla="*/ 4249655 w 4637005"/>
+              <a:gd name="connsiteY8" fmla="*/ 2220913 h 6858000"/>
+              <a:gd name="connsiteX9" fmla="*/ 4256005 w 4637005"/>
+              <a:gd name="connsiteY9" fmla="*/ 2228850 h 6858000"/>
+              <a:gd name="connsiteX10" fmla="*/ 4262355 w 4637005"/>
+              <a:gd name="connsiteY10" fmla="*/ 2238375 h 6858000"/>
+              <a:gd name="connsiteX11" fmla="*/ 4266589 w 4637005"/>
+              <a:gd name="connsiteY11" fmla="*/ 2244725 h 6858000"/>
+              <a:gd name="connsiteX12" fmla="*/ 4637005 w 4637005"/>
+              <a:gd name="connsiteY12" fmla="*/ 2522538 h 6858000"/>
+              <a:gd name="connsiteX13" fmla="*/ 4637005 w 4637005"/>
+              <a:gd name="connsiteY13" fmla="*/ 6858000 h 6858000"/>
+              <a:gd name="connsiteX14" fmla="*/ 0 w 4637005"/>
+              <a:gd name="connsiteY14" fmla="*/ 6858000 h 6858000"/>
+            </a:gdLst>
+            <a:ahLst/>
+            <a:cxnLst>
+              <a:cxn ang="0">
+                <a:pos x="connsiteX0" y="connsiteY0"/>
+              </a:cxn>
+              <a:cxn ang="0">
+                <a:pos x="connsiteX1" y="connsiteY1"/>
+              </a:cxn>
+              <a:cxn ang="0">
+                <a:pos x="connsiteX2" y="connsiteY2"/>
+              </a:cxn>
+              <a:cxn ang="0">
+                <a:pos x="connsiteX3" y="connsiteY3"/>
+              </a:cxn>
+              <a:cxn ang="0">
+                <a:pos x="connsiteX4" y="connsiteY4"/>
+              </a:cxn>
+              <a:cxn ang="0">
+                <a:pos x="connsiteX5" y="connsiteY5"/>
+              </a:cxn>
+              <a:cxn ang="0">
+                <a:pos x="connsiteX6" y="connsiteY6"/>
+              </a:cxn>
+              <a:cxn ang="0">
+                <a:pos x="connsiteX7" y="connsiteY7"/>
+              </a:cxn>
+              <a:cxn ang="0">
+                <a:pos x="connsiteX8" y="connsiteY8"/>
+              </a:cxn>
+              <a:cxn ang="0">
+                <a:pos x="connsiteX9" y="connsiteY9"/>
+              </a:cxn>
+              <a:cxn ang="0">
+                <a:pos x="connsiteX10" y="connsiteY10"/>
+              </a:cxn>
+              <a:cxn ang="0">
+                <a:pos x="connsiteX11" y="connsiteY11"/>
+              </a:cxn>
+              <a:cxn ang="0">
+                <a:pos x="connsiteX12" y="connsiteY12"/>
+              </a:cxn>
+              <a:cxn ang="0">
+                <a:pos x="connsiteX13" y="connsiteY13"/>
+              </a:cxn>
+              <a:cxn ang="0">
+                <a:pos x="connsiteX14" y="connsiteY14"/>
+              </a:cxn>
+            </a:cxnLst>
+            <a:rect l="l" t="t" r="r" b="b"/>
+            <a:pathLst>
+              <a:path w="4637005" h="6858000">
+                <a:moveTo>
+                  <a:pt x="0" y="0"/>
+                </a:moveTo>
+                <a:lnTo>
+                  <a:pt x="4637005" y="0"/>
+                </a:lnTo>
+                <a:lnTo>
+                  <a:pt x="4637005" y="1900238"/>
+                </a:lnTo>
+                <a:lnTo>
+                  <a:pt x="4266589" y="2178050"/>
+                </a:lnTo>
+                <a:lnTo>
+                  <a:pt x="4262355" y="2184400"/>
+                </a:lnTo>
+                <a:lnTo>
+                  <a:pt x="4256005" y="2193925"/>
+                </a:lnTo>
+                <a:lnTo>
+                  <a:pt x="4249655" y="2201863"/>
+                </a:lnTo>
+                <a:lnTo>
+                  <a:pt x="4249655" y="2211388"/>
+                </a:lnTo>
+                <a:lnTo>
+                  <a:pt x="4249655" y="2220913"/>
+                </a:lnTo>
+                <a:lnTo>
+                  <a:pt x="4256005" y="2228850"/>
+                </a:lnTo>
+                <a:lnTo>
+                  <a:pt x="4262355" y="2238375"/>
+                </a:lnTo>
+                <a:lnTo>
+                  <a:pt x="4266589" y="2244725"/>
+                </a:lnTo>
+                <a:lnTo>
+                  <a:pt x="4637005" y="2522538"/>
+                </a:lnTo>
+                <a:lnTo>
+                  <a:pt x="4637005" y="6858000"/>
+                </a:lnTo>
+                <a:lnTo>
+                  <a:pt x="0" y="6858000"/>
+                </a:lnTo>
+                <a:close/>
+              </a:path>
+            </a:pathLst>
+          </a:custGeom>
+          <a:blipFill>
+            <a:blip r:embed="rId3">
+              <a:duotone>
+                <a:schemeClr val="accent1">
+                  <a:tint val="98000"/>
+                  <a:lumMod val="102000"/>
+                </a:schemeClr>
+                <a:schemeClr val="accent1">
+                  <a:shade val="98000"/>
+                  <a:lumMod val="98000"/>
+                </a:schemeClr>
+              </a:duotone>
+            </a:blip>
+            <a:tile tx="0" ty="0" sx="100000" sy="100000" flip="none" algn="tl"/>
+          </a:blipFill>
+          <a:ln>
+            <a:headEnd/>
+            <a:tailEnd/>
+          </a:ln>
+        </p:spPr>
+        <p:style>
+          <a:lnRef idx="1">
+            <a:schemeClr val="accent1"/>
+          </a:lnRef>
+          <a:fillRef idx="3">
+            <a:schemeClr val="accent1"/>
+          </a:fillRef>
+          <a:effectRef idx="2">
+            <a:schemeClr val="accent1"/>
+          </a:effectRef>
+          <a:fontRef idx="minor">
+            <a:schemeClr val="lt1"/>
+          </a:fontRef>
+        </p:style>
+        <p:txBody>
+          <a:bodyPr wrap="square" rtlCol="0" anchor="ctr">
+            <a:noAutofit/>
+          </a:bodyPr>
+          <a:lstStyle/>
+          <a:p>
+            <a:pPr algn="ctr" rtl="0"/>
+            <a:endParaRPr lang="es-ES" noProof="1"/>
+          </a:p>
+        </p:txBody>
+      </p:sp>
+      <p:sp>
+        <p:nvSpPr>
+          <p:cNvPr id="2" name="Título 1">
+            <a:extLst>
+              <a:ext uri="{FF2B5EF4-FFF2-40B4-BE49-F238E27FC236}">
+                <a16:creationId xmlns:a16="http://schemas.microsoft.com/office/drawing/2014/main" id="{5F3F6C66-D6D7-4A72-9928-967AEA400766}"/>
+              </a:ext>
+            </a:extLst>
+          </p:cNvPr>
+          <p:cNvSpPr>
+            <a:spLocks noGrp="1"/>
+          </p:cNvSpPr>
+          <p:nvPr>
+            <p:ph type="title"/>
+          </p:nvPr>
+        </p:nvSpPr>
+        <p:spPr>
+          <a:xfrm>
+            <a:off x="8238765" y="2741526"/>
+            <a:ext cx="3269463" cy="1374949"/>
+          </a:xfrm>
+        </p:spPr>
+        <p:txBody>
+          <a:bodyPr rtlCol="0" anchor="t">
+            <a:normAutofit fontScale="90000"/>
+          </a:bodyPr>
+          <a:lstStyle/>
+          <a:p>
+            <a:pPr algn="ctr" rtl="0"/>
+            <a:r>
+              <a:rPr lang="es-ES" sz="4400" noProof="1"/>
+              <a:t>Shiny </a:t>
+            </a:r>
+            <a:br>
+              <a:rPr lang="es-ES" sz="4400" noProof="1"/>
+            </a:br>
+            <a:r>
+              <a:rPr lang="es-ES" sz="4400" noProof="1"/>
+              <a:t>Dashboards</a:t>
+            </a:r>
+          </a:p>
+        </p:txBody>
+      </p:sp>
+      <p:sp>
+        <p:nvSpPr>
+          <p:cNvPr id="3" name="CuadroTexto 2">
+            <a:extLst>
+              <a:ext uri="{FF2B5EF4-FFF2-40B4-BE49-F238E27FC236}">
+                <a16:creationId xmlns:a16="http://schemas.microsoft.com/office/drawing/2014/main" id="{52708D8C-3C97-4B4E-A2DE-DA30948E7098}"/>
+              </a:ext>
+            </a:extLst>
+          </p:cNvPr>
+          <p:cNvSpPr txBox="1"/>
+          <p:nvPr/>
+        </p:nvSpPr>
+        <p:spPr>
+          <a:xfrm>
+            <a:off x="319941" y="647115"/>
+            <a:ext cx="6893169" cy="3416320"/>
+          </a:xfrm>
+          <a:prstGeom prst="rect">
+            <a:avLst/>
+          </a:prstGeom>
+          <a:noFill/>
+        </p:spPr>
+        <p:txBody>
+          <a:bodyPr wrap="square" rtlCol="0">
+            <a:spAutoFit/>
+          </a:bodyPr>
+          <a:lstStyle/>
+          <a:p>
+            <a:endParaRPr lang="es-CR" dirty="0"/>
+          </a:p>
+          <a:p>
+            <a:endParaRPr lang="es-CR" dirty="0"/>
+          </a:p>
+          <a:p>
+            <a:pPr marL="285750" indent="-285750">
+              <a:buFont typeface="Courier New" panose="02070309020205020404" pitchFamily="49" charset="0"/>
+              <a:buChar char="o"/>
+            </a:pPr>
+            <a:r>
+              <a:rPr lang="es-CR" dirty="0"/>
+              <a:t>  Tiene dos elementos: </a:t>
+            </a:r>
+          </a:p>
+          <a:p>
+            <a:pPr marL="285750" indent="-285750">
+              <a:buFont typeface="Courier New" panose="02070309020205020404" pitchFamily="49" charset="0"/>
+              <a:buChar char="o"/>
+            </a:pPr>
+            <a:endParaRPr lang="es-CR" dirty="0"/>
+          </a:p>
+          <a:p>
+            <a:r>
+              <a:rPr lang="es-CR" dirty="0"/>
+              <a:t>	UI (</a:t>
+            </a:r>
+            <a:r>
+              <a:rPr lang="es-CR" dirty="0" err="1"/>
+              <a:t>user</a:t>
+            </a:r>
+            <a:r>
+              <a:rPr lang="es-CR" dirty="0"/>
+              <a:t> interface): </a:t>
+            </a:r>
+          </a:p>
+          <a:p>
+            <a:pPr lvl="1"/>
+            <a:r>
+              <a:rPr lang="es-CR" dirty="0"/>
+              <a:t>Maneja tanto los </a:t>
+            </a:r>
+            <a:r>
+              <a:rPr lang="es-CR" b="1" dirty="0"/>
+              <a:t>controles del usuario </a:t>
+            </a:r>
+            <a:r>
+              <a:rPr lang="es-CR" dirty="0"/>
+              <a:t>como el diseño y la </a:t>
+            </a:r>
+            <a:r>
+              <a:rPr lang="es-CR" b="1" dirty="0"/>
+              <a:t>ubicación</a:t>
+            </a:r>
+            <a:r>
+              <a:rPr lang="es-CR" dirty="0"/>
+              <a:t> de los elementos de salida, como gráficos o tablas.</a:t>
+            </a:r>
+          </a:p>
+          <a:p>
+            <a:endParaRPr lang="es-CR" dirty="0"/>
+          </a:p>
+          <a:p>
+            <a:r>
+              <a:rPr lang="es-CR" dirty="0"/>
+              <a:t>	SERVER: </a:t>
+            </a:r>
+          </a:p>
+          <a:p>
+            <a:pPr lvl="1"/>
+            <a:r>
+              <a:rPr lang="es-CR" dirty="0"/>
+              <a:t>Maneja todos los </a:t>
+            </a:r>
+            <a:r>
+              <a:rPr lang="es-CR" b="1" dirty="0"/>
+              <a:t>cálculos y la generación </a:t>
+            </a:r>
+            <a:r>
+              <a:rPr lang="es-CR" dirty="0"/>
+              <a:t>de gráficos para el UI </a:t>
+            </a:r>
+          </a:p>
+        </p:txBody>
+      </p:sp>
+      <p:pic>
+        <p:nvPicPr>
+          <p:cNvPr id="6" name="Imagen 5">
+            <a:extLst>
+              <a:ext uri="{FF2B5EF4-FFF2-40B4-BE49-F238E27FC236}">
+                <a16:creationId xmlns:a16="http://schemas.microsoft.com/office/drawing/2014/main" id="{44DD7BF5-44B6-4C68-8FE8-09A85971C1B6}"/>
+              </a:ext>
+            </a:extLst>
+          </p:cNvPr>
+          <p:cNvPicPr>
+            <a:picLocks noChangeAspect="1"/>
+          </p:cNvPicPr>
+          <p:nvPr/>
+        </p:nvPicPr>
+        <p:blipFill rotWithShape="1">
+          <a:blip r:embed="rId4"/>
+          <a:srcRect l="2196" r="5058"/>
+          <a:stretch/>
+        </p:blipFill>
+        <p:spPr>
+          <a:xfrm>
+            <a:off x="319941" y="4167266"/>
+            <a:ext cx="7235052" cy="2705100"/>
+          </a:xfrm>
+          <a:prstGeom prst="rect">
+            <a:avLst/>
+          </a:prstGeom>
+        </p:spPr>
+      </p:pic>
+      <p:pic>
+        <p:nvPicPr>
+          <p:cNvPr id="7" name="Imagen 6">
+            <a:extLst>
+              <a:ext uri="{FF2B5EF4-FFF2-40B4-BE49-F238E27FC236}">
+                <a16:creationId xmlns:a16="http://schemas.microsoft.com/office/drawing/2014/main" id="{64EACDCB-6E1E-4179-B6DE-53FEDDBA7B7F}"/>
+              </a:ext>
+            </a:extLst>
+          </p:cNvPr>
+          <p:cNvPicPr>
+            <a:picLocks noChangeAspect="1"/>
+          </p:cNvPicPr>
+          <p:nvPr/>
+        </p:nvPicPr>
+        <p:blipFill>
+          <a:blip r:embed="rId5"/>
+          <a:stretch>
+            <a:fillRect/>
+          </a:stretch>
+        </p:blipFill>
+        <p:spPr>
+          <a:xfrm>
+            <a:off x="185695" y="219664"/>
+            <a:ext cx="736138" cy="751009"/>
+          </a:xfrm>
+          <a:prstGeom prst="rect">
+            <a:avLst/>
+          </a:prstGeom>
+        </p:spPr>
+      </p:pic>
+    </p:spTree>
+    <p:extLst>
+      <p:ext uri="{BB962C8B-B14F-4D97-AF65-F5344CB8AC3E}">
+        <p14:creationId xmlns:p14="http://schemas.microsoft.com/office/powerpoint/2010/main" val="3625496731"/>
+      </p:ext>
+    </p:extLst>
+  </p:cSld>
+  <p:clrMapOvr>
+    <a:overrideClrMapping bg1="lt1" tx1="dk1" bg2="lt2" tx2="dk2" accent1="accent1" accent2="accent2" accent3="accent3" accent4="accent4" accent5="accent5" accent6="accent6" hlink="hlink" folHlink="folHlink"/>
+  </p:clrMapOvr>
+  <p:timing>
+    <p:tnLst>
+      <p:par>
+        <p:cTn id="1" dur="indefinite" restart="never" nodeType="tmRoot">
+          <p:childTnLst>
+            <p:seq concurrent="1" nextAc="seek">
+              <p:cTn id="2" dur="indefinite" nodeType="mainSeq">
+                <p:childTnLst>
+                  <p:par>
+                    <p:cTn id="3" fill="hold">
+                      <p:stCondLst>
+                        <p:cond delay="indefinite"/>
+                      </p:stCondLst>
+                      <p:childTnLst>
+                        <p:par>
+                          <p:cTn id="4" fill="hold">
+                            <p:stCondLst>
+                              <p:cond delay="0"/>
+                            </p:stCondLst>
+                            <p:childTnLst>
+                              <p:par>
+                                <p:cTn id="5" presetID="1" presetClass="entr" presetSubtype="0" fill="hold" nodeType="clickEffect">
+                                  <p:stCondLst>
+                                    <p:cond delay="0"/>
+                                  </p:stCondLst>
+                                  <p:childTnLst>
+                                    <p:set>
+                                      <p:cBhvr>
+                                        <p:cTn id="6" dur="1" fill="hold">
+                                          <p:stCondLst>
+                                            <p:cond delay="0"/>
+                                          </p:stCondLst>
+                                        </p:cTn>
+                                        <p:tgtEl>
+                                          <p:spTgt spid="6"/>
+                                        </p:tgtEl>
+                                        <p:attrNameLst>
+                                          <p:attrName>style.visibility</p:attrName>
+                                        </p:attrNameLst>
+                                      </p:cBhvr>
+                                      <p:to>
+                                        <p:strVal val="visible"/>
+                                      </p:to>
+                                    </p:set>
+                                  </p:childTnLst>
+                                </p:cTn>
+                              </p:par>
+                            </p:childTnLst>
+                          </p:cTn>
+                        </p:par>
+                      </p:childTnLst>
+                    </p:cTn>
+                  </p:par>
+                </p:childTnLst>
+              </p:cTn>
+              <p:prevCondLst>
+                <p:cond evt="onPrev" delay="0">
+                  <p:tgtEl>
+                    <p:sldTgt/>
+                  </p:tgtEl>
+                </p:cond>
+              </p:prevCondLst>
+              <p:nextCondLst>
+                <p:cond evt="onNext" delay="0">
+                  <p:tgtEl>
+                    <p:sldTgt/>
+                  </p:tgtEl>
+                </p:cond>
+              </p:nextCondLst>
+            </p:seq>
+          </p:childTnLst>
+        </p:cTn>
+      </p:par>
+    </p:tnLst>
+  </p:timing>
+</p:sld>
+</file>
+
+<file path=ppt/slides/slide11.xml><?xml version="1.0" encoding="utf-8"?>
+<p:sld xmlns:a="http://schemas.openxmlformats.org/drawingml/2006/main" xmlns:r="http://schemas.openxmlformats.org/officeDocument/2006/relationships" xmlns:p="http://schemas.openxmlformats.org/presentationml/2006/main" showMasterSp="0">
+  <p:cSld>
+    <p:bg>
+      <p:bgPr>
+        <a:solidFill>
+          <a:schemeClr val="bg1"/>
+        </a:solidFill>
+        <a:effectLst/>
+      </p:bgPr>
+    </p:bg>
+    <p:spTree>
+      <p:nvGrpSpPr>
+        <p:cNvPr id="1" name=""/>
+        <p:cNvGrpSpPr/>
+        <p:nvPr/>
+      </p:nvGrpSpPr>
+      <p:grpSpPr>
+        <a:xfrm>
+          <a:off x="0" y="0"/>
+          <a:ext cx="0" cy="0"/>
+          <a:chOff x="0" y="0"/>
+          <a:chExt cx="0" cy="0"/>
+        </a:xfrm>
+      </p:grpSpPr>
+      <p:sp useBgFill="1">
+        <p:nvSpPr>
+          <p:cNvPr id="11" name="Rectángulo 10">
+            <a:extLst>
+              <a:ext uri="{FF2B5EF4-FFF2-40B4-BE49-F238E27FC236}">
+                <a16:creationId xmlns:a16="http://schemas.microsoft.com/office/drawing/2014/main" id="{60344C5B-468D-40BA-8562-BB2A6E423847}"/>
+              </a:ext>
+              <a:ext uri="{C183D7F6-B498-43B3-948B-1728B52AA6E4}">
+                <adec:decorative xmlns:adec="http://schemas.microsoft.com/office/drawing/2017/decorative" val="1"/>
+              </a:ext>
+            </a:extLst>
+          </p:cNvPr>
+          <p:cNvSpPr>
+            <a:spLocks noGrp="1" noRot="1" noChangeAspect="1" noMove="1" noResize="1" noEditPoints="1" noAdjustHandles="1" noChangeArrowheads="1" noChangeShapeType="1" noTextEdit="1"/>
+          </p:cNvSpPr>
+          <p:nvPr>
+            <p:extLst>
+              <p:ext uri="{386F3935-93C4-4BCD-93E2-E3B085C9AB24}">
+                <p16:designElem xmlns:p16="http://schemas.microsoft.com/office/powerpoint/2015/main" val="1"/>
+              </p:ext>
+            </p:extLst>
+          </p:nvPr>
+        </p:nvSpPr>
+        <p:spPr>
+          <a:xfrm>
+            <a:off x="0" y="0"/>
+            <a:ext cx="12192000" cy="6858000"/>
+          </a:xfrm>
+          <a:prstGeom prst="rect">
+            <a:avLst/>
+          </a:prstGeom>
+          <a:ln>
+            <a:noFill/>
+          </a:ln>
+        </p:spPr>
+        <p:style>
+          <a:lnRef idx="2">
+            <a:schemeClr val="accent1">
+              <a:shade val="50000"/>
+            </a:schemeClr>
+          </a:lnRef>
+          <a:fillRef idx="1">
+            <a:schemeClr val="accent1"/>
+          </a:fillRef>
+          <a:effectRef idx="0">
+            <a:schemeClr val="accent1"/>
+          </a:effectRef>
+          <a:fontRef idx="minor">
+            <a:schemeClr val="lt1"/>
+          </a:fontRef>
+        </p:style>
+        <p:txBody>
+          <a:bodyPr rtlCol="0" anchor="ctr"/>
+          <a:lstStyle/>
+          <a:p>
+            <a:pPr algn="ctr" rtl="0"/>
+            <a:endParaRPr lang="es-ES" noProof="1"/>
+          </a:p>
+        </p:txBody>
+      </p:sp>
+      <p:sp>
+        <p:nvSpPr>
+          <p:cNvPr id="13" name="Forma libre 23">
+            <a:extLst>
+              <a:ext uri="{FF2B5EF4-FFF2-40B4-BE49-F238E27FC236}">
+                <a16:creationId xmlns:a16="http://schemas.microsoft.com/office/drawing/2014/main" id="{ECAA8197-DF89-4B95-92DB-575C8AFFACA7}"/>
+              </a:ext>
+              <a:ext uri="{C183D7F6-B498-43B3-948B-1728B52AA6E4}">
+                <adec:decorative xmlns:adec="http://schemas.microsoft.com/office/drawing/2017/decorative" val="1"/>
+              </a:ext>
+            </a:extLst>
+          </p:cNvPr>
+          <p:cNvSpPr>
+            <a:spLocks noGrp="1" noRot="1" noChangeAspect="1" noMove="1" noResize="1" noEditPoints="1" noAdjustHandles="1" noChangeArrowheads="1" noChangeShapeType="1" noTextEdit="1"/>
+          </p:cNvSpPr>
+          <p:nvPr>
+            <p:extLst>
+              <p:ext uri="{386F3935-93C4-4BCD-93E2-E3B085C9AB24}">
+                <p16:designElem xmlns:p16="http://schemas.microsoft.com/office/powerpoint/2015/main" val="1"/>
+              </p:ext>
+            </p:extLst>
+          </p:nvPr>
+        </p:nvSpPr>
+        <p:spPr bwMode="white">
+          <a:xfrm flipH="1">
+            <a:off x="7554995" y="0"/>
+            <a:ext cx="4637005" cy="6858000"/>
+          </a:xfrm>
+          <a:custGeom>
+            <a:avLst/>
+            <a:gdLst>
+              <a:gd name="connsiteX0" fmla="*/ 0 w 4637005"/>
+              <a:gd name="connsiteY0" fmla="*/ 0 h 6858000"/>
+              <a:gd name="connsiteX1" fmla="*/ 4637005 w 4637005"/>
+              <a:gd name="connsiteY1" fmla="*/ 0 h 6858000"/>
+              <a:gd name="connsiteX2" fmla="*/ 4637005 w 4637005"/>
+              <a:gd name="connsiteY2" fmla="*/ 1900238 h 6858000"/>
+              <a:gd name="connsiteX3" fmla="*/ 4266589 w 4637005"/>
+              <a:gd name="connsiteY3" fmla="*/ 2178050 h 6858000"/>
+              <a:gd name="connsiteX4" fmla="*/ 4262355 w 4637005"/>
+              <a:gd name="connsiteY4" fmla="*/ 2184400 h 6858000"/>
+              <a:gd name="connsiteX5" fmla="*/ 4256005 w 4637005"/>
+              <a:gd name="connsiteY5" fmla="*/ 2193925 h 6858000"/>
+              <a:gd name="connsiteX6" fmla="*/ 4249655 w 4637005"/>
+              <a:gd name="connsiteY6" fmla="*/ 2201863 h 6858000"/>
+              <a:gd name="connsiteX7" fmla="*/ 4249655 w 4637005"/>
+              <a:gd name="connsiteY7" fmla="*/ 2211388 h 6858000"/>
+              <a:gd name="connsiteX8" fmla="*/ 4249655 w 4637005"/>
+              <a:gd name="connsiteY8" fmla="*/ 2220913 h 6858000"/>
+              <a:gd name="connsiteX9" fmla="*/ 4256005 w 4637005"/>
+              <a:gd name="connsiteY9" fmla="*/ 2228850 h 6858000"/>
+              <a:gd name="connsiteX10" fmla="*/ 4262355 w 4637005"/>
+              <a:gd name="connsiteY10" fmla="*/ 2238375 h 6858000"/>
+              <a:gd name="connsiteX11" fmla="*/ 4266589 w 4637005"/>
+              <a:gd name="connsiteY11" fmla="*/ 2244725 h 6858000"/>
+              <a:gd name="connsiteX12" fmla="*/ 4637005 w 4637005"/>
+              <a:gd name="connsiteY12" fmla="*/ 2522538 h 6858000"/>
+              <a:gd name="connsiteX13" fmla="*/ 4637005 w 4637005"/>
+              <a:gd name="connsiteY13" fmla="*/ 6858000 h 6858000"/>
+              <a:gd name="connsiteX14" fmla="*/ 0 w 4637005"/>
+              <a:gd name="connsiteY14" fmla="*/ 6858000 h 6858000"/>
+            </a:gdLst>
+            <a:ahLst/>
+            <a:cxnLst>
+              <a:cxn ang="0">
+                <a:pos x="connsiteX0" y="connsiteY0"/>
+              </a:cxn>
+              <a:cxn ang="0">
+                <a:pos x="connsiteX1" y="connsiteY1"/>
+              </a:cxn>
+              <a:cxn ang="0">
+                <a:pos x="connsiteX2" y="connsiteY2"/>
+              </a:cxn>
+              <a:cxn ang="0">
+                <a:pos x="connsiteX3" y="connsiteY3"/>
+              </a:cxn>
+              <a:cxn ang="0">
+                <a:pos x="connsiteX4" y="connsiteY4"/>
+              </a:cxn>
+              <a:cxn ang="0">
+                <a:pos x="connsiteX5" y="connsiteY5"/>
+              </a:cxn>
+              <a:cxn ang="0">
+                <a:pos x="connsiteX6" y="connsiteY6"/>
+              </a:cxn>
+              <a:cxn ang="0">
+                <a:pos x="connsiteX7" y="connsiteY7"/>
+              </a:cxn>
+              <a:cxn ang="0">
+                <a:pos x="connsiteX8" y="connsiteY8"/>
+              </a:cxn>
+              <a:cxn ang="0">
+                <a:pos x="connsiteX9" y="connsiteY9"/>
+              </a:cxn>
+              <a:cxn ang="0">
+                <a:pos x="connsiteX10" y="connsiteY10"/>
+              </a:cxn>
+              <a:cxn ang="0">
+                <a:pos x="connsiteX11" y="connsiteY11"/>
+              </a:cxn>
+              <a:cxn ang="0">
+                <a:pos x="connsiteX12" y="connsiteY12"/>
+              </a:cxn>
+              <a:cxn ang="0">
+                <a:pos x="connsiteX13" y="connsiteY13"/>
+              </a:cxn>
+              <a:cxn ang="0">
+                <a:pos x="connsiteX14" y="connsiteY14"/>
+              </a:cxn>
+            </a:cxnLst>
+            <a:rect l="l" t="t" r="r" b="b"/>
+            <a:pathLst>
+              <a:path w="4637005" h="6858000">
+                <a:moveTo>
+                  <a:pt x="0" y="0"/>
+                </a:moveTo>
+                <a:lnTo>
+                  <a:pt x="4637005" y="0"/>
+                </a:lnTo>
+                <a:lnTo>
+                  <a:pt x="4637005" y="1900238"/>
+                </a:lnTo>
+                <a:lnTo>
+                  <a:pt x="4266589" y="2178050"/>
+                </a:lnTo>
+                <a:lnTo>
+                  <a:pt x="4262355" y="2184400"/>
+                </a:lnTo>
+                <a:lnTo>
+                  <a:pt x="4256005" y="2193925"/>
+                </a:lnTo>
+                <a:lnTo>
+                  <a:pt x="4249655" y="2201863"/>
+                </a:lnTo>
+                <a:lnTo>
+                  <a:pt x="4249655" y="2211388"/>
+                </a:lnTo>
+                <a:lnTo>
+                  <a:pt x="4249655" y="2220913"/>
+                </a:lnTo>
+                <a:lnTo>
+                  <a:pt x="4256005" y="2228850"/>
+                </a:lnTo>
+                <a:lnTo>
+                  <a:pt x="4262355" y="2238375"/>
+                </a:lnTo>
+                <a:lnTo>
+                  <a:pt x="4266589" y="2244725"/>
+                </a:lnTo>
+                <a:lnTo>
+                  <a:pt x="4637005" y="2522538"/>
+                </a:lnTo>
+                <a:lnTo>
+                  <a:pt x="4637005" y="6858000"/>
+                </a:lnTo>
+                <a:lnTo>
+                  <a:pt x="0" y="6858000"/>
+                </a:lnTo>
+                <a:close/>
+              </a:path>
+            </a:pathLst>
+          </a:custGeom>
+          <a:blipFill>
+            <a:blip r:embed="rId3">
+              <a:duotone>
+                <a:schemeClr val="accent1">
+                  <a:tint val="98000"/>
+                  <a:lumMod val="102000"/>
+                </a:schemeClr>
+                <a:schemeClr val="accent1">
+                  <a:shade val="98000"/>
+                  <a:lumMod val="98000"/>
+                </a:schemeClr>
+              </a:duotone>
+            </a:blip>
+            <a:tile tx="0" ty="0" sx="100000" sy="100000" flip="none" algn="tl"/>
+          </a:blipFill>
+          <a:ln>
+            <a:headEnd/>
+            <a:tailEnd/>
+          </a:ln>
+        </p:spPr>
+        <p:style>
+          <a:lnRef idx="1">
+            <a:schemeClr val="accent1"/>
+          </a:lnRef>
+          <a:fillRef idx="3">
+            <a:schemeClr val="accent1"/>
+          </a:fillRef>
+          <a:effectRef idx="2">
+            <a:schemeClr val="accent1"/>
+          </a:effectRef>
+          <a:fontRef idx="minor">
+            <a:schemeClr val="lt1"/>
+          </a:fontRef>
+        </p:style>
+        <p:txBody>
+          <a:bodyPr wrap="square" rtlCol="0" anchor="ctr">
+            <a:noAutofit/>
+          </a:bodyPr>
+          <a:lstStyle/>
+          <a:p>
+            <a:pPr algn="ctr" rtl="0"/>
+            <a:endParaRPr lang="es-ES" noProof="1"/>
+          </a:p>
+        </p:txBody>
+      </p:sp>
+      <p:sp>
+        <p:nvSpPr>
+          <p:cNvPr id="2" name="Título 1">
+            <a:extLst>
+              <a:ext uri="{FF2B5EF4-FFF2-40B4-BE49-F238E27FC236}">
+                <a16:creationId xmlns:a16="http://schemas.microsoft.com/office/drawing/2014/main" id="{5F3F6C66-D6D7-4A72-9928-967AEA400766}"/>
+              </a:ext>
+            </a:extLst>
+          </p:cNvPr>
+          <p:cNvSpPr>
+            <a:spLocks noGrp="1"/>
+          </p:cNvSpPr>
+          <p:nvPr>
+            <p:ph type="title"/>
+          </p:nvPr>
+        </p:nvSpPr>
+        <p:spPr>
+          <a:xfrm>
+            <a:off x="8238765" y="2741526"/>
+            <a:ext cx="3269463" cy="1374949"/>
+          </a:xfrm>
+        </p:spPr>
+        <p:txBody>
+          <a:bodyPr rtlCol="0" anchor="t">
+            <a:normAutofit fontScale="90000"/>
+          </a:bodyPr>
+          <a:lstStyle/>
+          <a:p>
+            <a:pPr algn="ctr" rtl="0"/>
+            <a:r>
+              <a:rPr lang="es-ES" sz="4400" noProof="1"/>
+              <a:t>Shiny </a:t>
+            </a:r>
+            <a:br>
+              <a:rPr lang="es-ES" sz="4400" noProof="1"/>
+            </a:br>
+            <a:r>
+              <a:rPr lang="es-ES" sz="4400" noProof="1"/>
+              <a:t>Dashboards</a:t>
+            </a:r>
+          </a:p>
+        </p:txBody>
+      </p:sp>
+      <p:pic>
+        <p:nvPicPr>
+          <p:cNvPr id="4" name="Imagen 3">
+            <a:extLst>
+              <a:ext uri="{FF2B5EF4-FFF2-40B4-BE49-F238E27FC236}">
+                <a16:creationId xmlns:a16="http://schemas.microsoft.com/office/drawing/2014/main" id="{6CD2FF4D-2404-4D91-BE58-AD9AC1688BBF}"/>
+              </a:ext>
+            </a:extLst>
+          </p:cNvPr>
+          <p:cNvPicPr>
+            <a:picLocks noChangeAspect="1"/>
+          </p:cNvPicPr>
+          <p:nvPr/>
+        </p:nvPicPr>
+        <p:blipFill rotWithShape="1">
+          <a:blip r:embed="rId4"/>
+          <a:srcRect l="8134" r="8286"/>
+          <a:stretch/>
+        </p:blipFill>
+        <p:spPr>
+          <a:xfrm>
+            <a:off x="449944" y="1346480"/>
+            <a:ext cx="6633642" cy="4165040"/>
+          </a:xfrm>
+          <a:prstGeom prst="rect">
+            <a:avLst/>
+          </a:prstGeom>
+        </p:spPr>
+      </p:pic>
+      <p:pic>
+        <p:nvPicPr>
+          <p:cNvPr id="6" name="Imagen 5">
+            <a:extLst>
+              <a:ext uri="{FF2B5EF4-FFF2-40B4-BE49-F238E27FC236}">
+                <a16:creationId xmlns:a16="http://schemas.microsoft.com/office/drawing/2014/main" id="{F7ED1A39-D847-47D3-877F-EC5C4E269DF4}"/>
+              </a:ext>
+            </a:extLst>
+          </p:cNvPr>
+          <p:cNvPicPr>
+            <a:picLocks noChangeAspect="1"/>
+          </p:cNvPicPr>
+          <p:nvPr/>
+        </p:nvPicPr>
+        <p:blipFill>
+          <a:blip r:embed="rId5"/>
+          <a:stretch>
+            <a:fillRect/>
+          </a:stretch>
+        </p:blipFill>
+        <p:spPr>
+          <a:xfrm>
+            <a:off x="185695" y="219664"/>
+            <a:ext cx="736138" cy="751009"/>
+          </a:xfrm>
+          <a:prstGeom prst="rect">
+            <a:avLst/>
+          </a:prstGeom>
+        </p:spPr>
+      </p:pic>
+    </p:spTree>
+    <p:extLst>
+      <p:ext uri="{BB962C8B-B14F-4D97-AF65-F5344CB8AC3E}">
+        <p14:creationId xmlns:p14="http://schemas.microsoft.com/office/powerpoint/2010/main" val="1836226208"/>
+      </p:ext>
+    </p:extLst>
+  </p:cSld>
+  <p:clrMapOvr>
+    <a:overrideClrMapping bg1="lt1" tx1="dk1" bg2="lt2" tx2="dk2" accent1="accent1" accent2="accent2" accent3="accent3" accent4="accent4" accent5="accent5" accent6="accent6" hlink="hlink" folHlink="folHlink"/>
+  </p:clrMapOvr>
+</p:sld>
+</file>
+
+<file path=ppt/slides/slide12.xml><?xml version="1.0" encoding="utf-8"?>
+<p:sld xmlns:a="http://schemas.openxmlformats.org/drawingml/2006/main" xmlns:r="http://schemas.openxmlformats.org/officeDocument/2006/relationships" xmlns:p="http://schemas.openxmlformats.org/presentationml/2006/main">
+  <p:cSld>
+    <p:bg>
+      <p:bgPr>
+        <a:solidFill>
+          <a:schemeClr val="tx1"/>
+        </a:solidFill>
+        <a:effectLst/>
+      </p:bgPr>
+    </p:bg>
+    <p:spTree>
+      <p:nvGrpSpPr>
+        <p:cNvPr id="1" name=""/>
+        <p:cNvGrpSpPr/>
+        <p:nvPr/>
+      </p:nvGrpSpPr>
+      <p:grpSpPr>
+        <a:xfrm>
+          <a:off x="0" y="0"/>
+          <a:ext cx="0" cy="0"/>
+          <a:chOff x="0" y="0"/>
+          <a:chExt cx="0" cy="0"/>
+        </a:xfrm>
+      </p:grpSpPr>
       <p:sp>
         <p:nvSpPr>
           <p:cNvPr id="2" name="Título 1">
@@ -7017,7 +8059,12 @@
             <p:ph type="title"/>
           </p:nvPr>
         </p:nvSpPr>
-        <p:spPr/>
+        <p:spPr>
+          <a:xfrm>
+            <a:off x="810000" y="18563"/>
+            <a:ext cx="10571998" cy="970450"/>
+          </a:xfrm>
+        </p:spPr>
         <p:txBody>
           <a:bodyPr/>
           <a:lstStyle/>
@@ -7054,7 +8101,7 @@
         </p:blipFill>
         <p:spPr>
           <a:xfrm>
-            <a:off x="2475913" y="1696306"/>
+            <a:off x="2728325" y="2089150"/>
             <a:ext cx="7465256" cy="5161694"/>
           </a:xfrm>
           <a:prstGeom prst="rect">
@@ -7070,6 +8117,36 @@
           </a:ln>
         </p:spPr>
       </p:pic>
+      <p:pic>
+        <p:nvPicPr>
+          <p:cNvPr id="5" name="Imagen 4">
+            <a:extLst>
+              <a:ext uri="{FF2B5EF4-FFF2-40B4-BE49-F238E27FC236}">
+                <a16:creationId xmlns:a16="http://schemas.microsoft.com/office/drawing/2014/main" id="{8E1F4466-1549-4B99-88CA-D11068A58395}"/>
+              </a:ext>
+            </a:extLst>
+          </p:cNvPr>
+          <p:cNvPicPr>
+            <a:picLocks noChangeAspect="1"/>
+          </p:cNvPicPr>
+          <p:nvPr/>
+        </p:nvPicPr>
+        <p:blipFill>
+          <a:blip r:embed="rId3"/>
+          <a:stretch>
+            <a:fillRect/>
+          </a:stretch>
+        </p:blipFill>
+        <p:spPr>
+          <a:xfrm>
+            <a:off x="185695" y="5846741"/>
+            <a:ext cx="736138" cy="751009"/>
+          </a:xfrm>
+          <a:prstGeom prst="rect">
+            <a:avLst/>
+          </a:prstGeom>
+        </p:spPr>
+      </p:pic>
     </p:spTree>
     <p:extLst>
       <p:ext uri="{BB962C8B-B14F-4D97-AF65-F5344CB8AC3E}">
@@ -7083,9 +8160,17 @@
 </p:sld>
 </file>
 
-<file path=ppt/slides/slide11.xml><?xml version="1.0" encoding="utf-8"?>
+<file path=ppt/slides/slide13.xml><?xml version="1.0" encoding="utf-8"?>
 <p:sld xmlns:a="http://schemas.openxmlformats.org/drawingml/2006/main" xmlns:r="http://schemas.openxmlformats.org/officeDocument/2006/relationships" xmlns:p="http://schemas.openxmlformats.org/presentationml/2006/main">
   <p:cSld>
+    <p:bg>
+      <p:bgPr>
+        <a:solidFill>
+          <a:schemeClr val="tx1"/>
+        </a:solidFill>
+        <a:effectLst/>
+      </p:bgPr>
+    </p:bg>
     <p:spTree>
       <p:nvGrpSpPr>
         <p:cNvPr id="1" name=""/>
@@ -7202,6 +8287,36 @@
           </a:p>
         </p:txBody>
       </p:sp>
+      <p:pic>
+        <p:nvPicPr>
+          <p:cNvPr id="4" name="Imagen 3">
+            <a:extLst>
+              <a:ext uri="{FF2B5EF4-FFF2-40B4-BE49-F238E27FC236}">
+                <a16:creationId xmlns:a16="http://schemas.microsoft.com/office/drawing/2014/main" id="{95B8C676-76A0-4E81-B1B6-57A3D11CDF2D}"/>
+              </a:ext>
+            </a:extLst>
+          </p:cNvPr>
+          <p:cNvPicPr>
+            <a:picLocks noChangeAspect="1"/>
+          </p:cNvPicPr>
+          <p:nvPr/>
+        </p:nvPicPr>
+        <p:blipFill>
+          <a:blip r:embed="rId2"/>
+          <a:stretch>
+            <a:fillRect/>
+          </a:stretch>
+        </p:blipFill>
+        <p:spPr>
+          <a:xfrm>
+            <a:off x="185695" y="5846741"/>
+            <a:ext cx="736138" cy="751009"/>
+          </a:xfrm>
+          <a:prstGeom prst="rect">
+            <a:avLst/>
+          </a:prstGeom>
+        </p:spPr>
+      </p:pic>
     </p:spTree>
     <p:extLst>
       <p:ext uri="{BB962C8B-B14F-4D97-AF65-F5344CB8AC3E}">
@@ -7215,9 +8330,17 @@
 </p:sld>
 </file>
 
-<file path=ppt/slides/slide12.xml><?xml version="1.0" encoding="utf-8"?>
+<file path=ppt/slides/slide14.xml><?xml version="1.0" encoding="utf-8"?>
 <p:sld xmlns:a="http://schemas.openxmlformats.org/drawingml/2006/main" xmlns:r="http://schemas.openxmlformats.org/officeDocument/2006/relationships" xmlns:p="http://schemas.openxmlformats.org/presentationml/2006/main">
   <p:cSld>
+    <p:bg>
+      <p:bgPr>
+        <a:solidFill>
+          <a:schemeClr val="tx1"/>
+        </a:solidFill>
+        <a:effectLst/>
+      </p:bgPr>
+    </p:bg>
     <p:spTree>
       <p:nvGrpSpPr>
         <p:cNvPr id="1" name=""/>
@@ -7279,18 +8402,18 @@
         </p:nvSpPr>
         <p:spPr>
           <a:xfrm>
-            <a:off x="101259" y="2348487"/>
-            <a:ext cx="11434248" cy="4188525"/>
+            <a:off x="2257733" y="2447783"/>
+            <a:ext cx="8082018" cy="4564966"/>
           </a:xfrm>
         </p:spPr>
         <p:txBody>
           <a:bodyPr>
-            <a:normAutofit fontScale="70000" lnSpcReduction="20000"/>
+            <a:normAutofit fontScale="55000" lnSpcReduction="20000"/>
           </a:bodyPr>
           <a:lstStyle/>
           <a:p>
             <a:r>
-              <a:rPr lang="es-CR" sz="2400" dirty="0">
+              <a:rPr lang="es-CR" sz="3300" dirty="0">
                 <a:solidFill>
                   <a:schemeClr val="bg1"/>
                 </a:solidFill>
@@ -7298,14 +8421,14 @@
               <a:t>R </a:t>
             </a:r>
             <a:r>
-              <a:rPr lang="es-CR" sz="2400" dirty="0" err="1">
+              <a:rPr lang="es-CR" sz="3300" dirty="0" err="1">
                 <a:solidFill>
                   <a:schemeClr val="bg1"/>
                 </a:solidFill>
               </a:rPr>
               <a:t>Markdown</a:t>
             </a:r>
-            <a:endParaRPr lang="es-CR" sz="2400" dirty="0">
+            <a:endParaRPr lang="es-CR" sz="3300" dirty="0">
               <a:solidFill>
                 <a:schemeClr val="bg1"/>
               </a:solidFill>
@@ -7316,7 +8439,7 @@
               <a:buNone/>
             </a:pPr>
             <a:r>
-              <a:rPr lang="es-CR" dirty="0">
+              <a:rPr lang="es-CR" sz="2500" dirty="0">
                 <a:solidFill>
                   <a:schemeClr val="bg1"/>
                 </a:solidFill>
@@ -7330,7 +8453,7 @@
               </a:rPr>
               <a:t>https://rstudio.com/wp-content/uploads/2015/03/rmarkdown-spanish.pdf</a:t>
             </a:r>
-            <a:endParaRPr lang="es-CR" dirty="0">
+            <a:endParaRPr lang="es-CR" sz="2500" dirty="0">
               <a:solidFill>
                 <a:schemeClr val="bg1"/>
               </a:solidFill>
@@ -7341,7 +8464,7 @@
               <a:buNone/>
             </a:pPr>
             <a:r>
-              <a:rPr lang="es-CR" dirty="0">
+              <a:rPr lang="es-CR" sz="2500" dirty="0">
                 <a:solidFill>
                   <a:schemeClr val="bg1"/>
                 </a:solidFill>
@@ -7355,7 +8478,7 @@
               </a:rPr>
               <a:t>http://www.unavarra.es/personal/tgoicoa/ESTADISTICA_RMarkdown_tomas/basicRmarkdown/index.html</a:t>
             </a:r>
-            <a:endParaRPr lang="es-CR" dirty="0">
+            <a:endParaRPr lang="es-CR" sz="2500" dirty="0">
               <a:solidFill>
                 <a:schemeClr val="bg1"/>
               </a:solidFill>
@@ -7366,7 +8489,7 @@
               <a:buNone/>
             </a:pPr>
             <a:r>
-              <a:rPr lang="es-CR" dirty="0">
+              <a:rPr lang="es-CR" sz="2500" dirty="0">
                 <a:solidFill>
                   <a:schemeClr val="bg1"/>
                 </a:solidFill>
@@ -7380,7 +8503,7 @@
               </a:rPr>
               <a:t>https://rmarkdown.rstudio.com/</a:t>
             </a:r>
-            <a:endParaRPr lang="es-CR" dirty="0">
+            <a:endParaRPr lang="es-CR" sz="2500" dirty="0">
               <a:solidFill>
                 <a:schemeClr val="bg1"/>
               </a:solidFill>
@@ -7391,7 +8514,7 @@
               <a:buNone/>
             </a:pPr>
             <a:r>
-              <a:rPr lang="es-CR" dirty="0">
+              <a:rPr lang="es-CR" sz="2500" dirty="0">
                 <a:solidFill>
                   <a:schemeClr val="bg1"/>
                 </a:solidFill>
@@ -7405,7 +8528,7 @@
               </a:rPr>
               <a:t>https://bookdown.org/yihui/rmarkdown/</a:t>
             </a:r>
-            <a:endParaRPr lang="es-CR" sz="2400" dirty="0">
+            <a:endParaRPr lang="es-CR" sz="3300" dirty="0">
               <a:solidFill>
                 <a:schemeClr val="bg1"/>
               </a:solidFill>
@@ -7413,7 +8536,7 @@
           </a:p>
           <a:p>
             <a:r>
-              <a:rPr lang="es-CR" sz="2400" dirty="0" err="1">
+              <a:rPr lang="es-CR" sz="3300" dirty="0" err="1">
                 <a:solidFill>
                   <a:schemeClr val="bg1"/>
                 </a:solidFill>
@@ -7421,7 +8544,7 @@
               <a:t>Shiny</a:t>
             </a:r>
             <a:r>
-              <a:rPr lang="es-CR" sz="2400" dirty="0">
+              <a:rPr lang="es-CR" sz="3300" dirty="0">
                 <a:solidFill>
                   <a:schemeClr val="bg1"/>
                 </a:solidFill>
@@ -7434,7 +8557,7 @@
               <a:buNone/>
             </a:pPr>
             <a:r>
-              <a:rPr lang="es-CR" sz="1900" dirty="0">
+              <a:rPr lang="es-CR" sz="2500" dirty="0">
                 <a:solidFill>
                   <a:schemeClr val="bg1"/>
                 </a:solidFill>
@@ -7448,7 +8571,7 @@
               </a:rPr>
               <a:t>https://shiny.rstudio.com/images/shiny-cheatsheet.pdf</a:t>
             </a:r>
-            <a:endParaRPr lang="es-CR" sz="1900" dirty="0">
+            <a:endParaRPr lang="es-CR" sz="2500" dirty="0">
               <a:solidFill>
                 <a:schemeClr val="bg1"/>
               </a:solidFill>
@@ -7459,7 +8582,7 @@
               <a:buNone/>
             </a:pPr>
             <a:r>
-              <a:rPr lang="es-CR" sz="1900" dirty="0">
+              <a:rPr lang="es-CR" sz="2500" dirty="0">
                 <a:solidFill>
                   <a:schemeClr val="bg1"/>
                 </a:solidFill>
@@ -7473,7 +8596,7 @@
               </a:rPr>
               <a:t>https://shiny.rstudio.com/articles/dashboards.html</a:t>
             </a:r>
-            <a:endParaRPr lang="es-CR" sz="1900" dirty="0">
+            <a:endParaRPr lang="es-CR" sz="2500" dirty="0">
               <a:solidFill>
                 <a:schemeClr val="bg1"/>
               </a:solidFill>
@@ -7484,7 +8607,7 @@
               <a:buNone/>
             </a:pPr>
             <a:r>
-              <a:rPr lang="es-CR" sz="1900" dirty="0">
+              <a:rPr lang="es-CR" sz="2500" dirty="0">
                 <a:solidFill>
                   <a:schemeClr val="bg1"/>
                 </a:solidFill>
@@ -7498,7 +8621,7 @@
               </a:rPr>
               <a:t>https://rstudio.github.io/shinydashboard/structure.html</a:t>
             </a:r>
-            <a:endParaRPr lang="es-CR" sz="1900" dirty="0">
+            <a:endParaRPr lang="es-CR" sz="2500" dirty="0">
               <a:solidFill>
                 <a:schemeClr val="bg1"/>
               </a:solidFill>
@@ -7509,7 +8632,7 @@
               <a:buNone/>
             </a:pPr>
             <a:r>
-              <a:rPr lang="es-CR" sz="1900" dirty="0">
+              <a:rPr lang="es-CR" sz="2500" dirty="0">
                 <a:solidFill>
                   <a:schemeClr val="bg1"/>
                 </a:solidFill>
@@ -7523,7 +8646,7 @@
               </a:rPr>
               <a:t>https://shiny.rstudio.com/articles/layout-guide.html</a:t>
             </a:r>
-            <a:endParaRPr lang="es-CR" sz="1900" dirty="0">
+            <a:endParaRPr lang="es-CR" sz="2500" dirty="0">
               <a:solidFill>
                 <a:schemeClr val="bg1"/>
               </a:solidFill>
@@ -7531,7 +8654,7 @@
           </a:p>
           <a:p>
             <a:r>
-              <a:rPr lang="es-CR" sz="2400" dirty="0">
+              <a:rPr lang="es-CR" sz="3300" dirty="0">
                 <a:solidFill>
                   <a:schemeClr val="bg1"/>
                 </a:solidFill>
@@ -7544,7 +8667,7 @@
               <a:buNone/>
             </a:pPr>
             <a:r>
-              <a:rPr lang="es-CR" dirty="0">
+              <a:rPr lang="es-CR" sz="2500" dirty="0">
                 <a:solidFill>
                   <a:schemeClr val="bg1"/>
                 </a:solidFill>
@@ -7557,7 +8680,7 @@
               <a:buNone/>
             </a:pPr>
             <a:r>
-              <a:rPr lang="es-CR" dirty="0">
+              <a:rPr lang="es-CR" sz="2500" dirty="0">
                 <a:solidFill>
                   <a:schemeClr val="bg1"/>
                 </a:solidFill>
@@ -7571,7 +8694,7 @@
               </a:rPr>
               <a:t>https://alison.rbind.io/</a:t>
             </a:r>
-            <a:endParaRPr lang="es-CR" dirty="0">
+            <a:endParaRPr lang="es-CR" sz="2500" dirty="0">
               <a:solidFill>
                 <a:schemeClr val="bg1"/>
               </a:solidFill>
@@ -7582,7 +8705,7 @@
               <a:buNone/>
             </a:pPr>
             <a:r>
-              <a:rPr lang="es-CR" dirty="0">
+              <a:rPr lang="es-CR" sz="2500" dirty="0">
                 <a:solidFill>
                   <a:schemeClr val="bg1"/>
                 </a:solidFill>
@@ -7596,7 +8719,7 @@
               </a:rPr>
               <a:t>https://alison.rbind.io/post/2017-06-12-up-and-running-with-blogdown/</a:t>
             </a:r>
-            <a:endParaRPr lang="es-CR" dirty="0">
+            <a:endParaRPr lang="es-CR" sz="2500" dirty="0">
               <a:solidFill>
                 <a:schemeClr val="bg1"/>
               </a:solidFill>
@@ -7624,6 +8747,36 @@
           </a:p>
         </p:txBody>
       </p:sp>
+      <p:pic>
+        <p:nvPicPr>
+          <p:cNvPr id="4" name="Imagen 3">
+            <a:extLst>
+              <a:ext uri="{FF2B5EF4-FFF2-40B4-BE49-F238E27FC236}">
+                <a16:creationId xmlns:a16="http://schemas.microsoft.com/office/drawing/2014/main" id="{10B4C5C4-39C5-4811-9FF6-BA232931C600}"/>
+              </a:ext>
+            </a:extLst>
+          </p:cNvPr>
+          <p:cNvPicPr>
+            <a:picLocks noChangeAspect="1"/>
+          </p:cNvPicPr>
+          <p:nvPr/>
+        </p:nvPicPr>
+        <p:blipFill>
+          <a:blip r:embed="rId12"/>
+          <a:stretch>
+            <a:fillRect/>
+          </a:stretch>
+        </p:blipFill>
+        <p:spPr>
+          <a:xfrm>
+            <a:off x="185695" y="5846741"/>
+            <a:ext cx="736138" cy="751009"/>
+          </a:xfrm>
+          <a:prstGeom prst="rect">
+            <a:avLst/>
+          </a:prstGeom>
+        </p:spPr>
+      </p:pic>
     </p:spTree>
     <p:extLst>
       <p:ext uri="{BB962C8B-B14F-4D97-AF65-F5344CB8AC3E}">
@@ -7637,9 +8790,17 @@
 </p:sld>
 </file>
 
-<file path=ppt/slides/slide13.xml><?xml version="1.0" encoding="utf-8"?>
+<file path=ppt/slides/slide15.xml><?xml version="1.0" encoding="utf-8"?>
 <p:sld xmlns:a="http://schemas.openxmlformats.org/drawingml/2006/main" xmlns:r="http://schemas.openxmlformats.org/officeDocument/2006/relationships" xmlns:p="http://schemas.openxmlformats.org/presentationml/2006/main">
   <p:cSld>
+    <p:bg>
+      <p:bgPr>
+        <a:solidFill>
+          <a:schemeClr val="tx1"/>
+        </a:solidFill>
+        <a:effectLst/>
+      </p:bgPr>
+    </p:bg>
     <p:spTree>
       <p:nvGrpSpPr>
         <p:cNvPr id="1" name=""/>
@@ -7672,7 +8833,7 @@
         </p:nvSpPr>
         <p:spPr>
           <a:xfrm>
-            <a:off x="0" y="3429000"/>
+            <a:off x="2707429" y="3302602"/>
             <a:ext cx="10561418" cy="1468800"/>
           </a:xfrm>
         </p:spPr>
@@ -8356,6 +9517,36 @@
           </a:p>
         </p:txBody>
       </p:sp>
+      <p:pic>
+        <p:nvPicPr>
+          <p:cNvPr id="11" name="Imagen 10">
+            <a:extLst>
+              <a:ext uri="{FF2B5EF4-FFF2-40B4-BE49-F238E27FC236}">
+                <a16:creationId xmlns:a16="http://schemas.microsoft.com/office/drawing/2014/main" id="{6F7AEE39-6B8B-4B95-9EA4-6BF8C40F53AD}"/>
+              </a:ext>
+            </a:extLst>
+          </p:cNvPr>
+          <p:cNvPicPr>
+            <a:picLocks noChangeAspect="1"/>
+          </p:cNvPicPr>
+          <p:nvPr/>
+        </p:nvPicPr>
+        <p:blipFill>
+          <a:blip r:embed="rId8"/>
+          <a:stretch>
+            <a:fillRect/>
+          </a:stretch>
+        </p:blipFill>
+        <p:spPr>
+          <a:xfrm>
+            <a:off x="185695" y="5846741"/>
+            <a:ext cx="736138" cy="751009"/>
+          </a:xfrm>
+          <a:prstGeom prst="rect">
+            <a:avLst/>
+          </a:prstGeom>
+        </p:spPr>
+      </p:pic>
     </p:spTree>
     <p:extLst>
       <p:ext uri="{BB962C8B-B14F-4D97-AF65-F5344CB8AC3E}">
@@ -8370,8 +9561,16 @@
 </file>
 
 <file path=ppt/slides/slide2.xml><?xml version="1.0" encoding="utf-8"?>
-<p:sld xmlns:a="http://schemas.openxmlformats.org/drawingml/2006/main" xmlns:r="http://schemas.openxmlformats.org/officeDocument/2006/relationships" xmlns:p="http://schemas.openxmlformats.org/presentationml/2006/main">
+<p:sld xmlns:a="http://schemas.openxmlformats.org/drawingml/2006/main" xmlns:r="http://schemas.openxmlformats.org/officeDocument/2006/relationships" xmlns:p="http://schemas.openxmlformats.org/presentationml/2006/main" showMasterSp="0">
   <p:cSld>
+    <p:bg>
+      <p:bgPr>
+        <a:solidFill>
+          <a:schemeClr val="bg1"/>
+        </a:solidFill>
+        <a:effectLst/>
+      </p:bgPr>
+    </p:bg>
     <p:spTree>
       <p:nvGrpSpPr>
         <p:cNvPr id="1" name=""/>
@@ -8729,8 +9928,38 @@
         </p:blipFill>
         <p:spPr>
           <a:xfrm>
-            <a:off x="171626" y="203945"/>
+            <a:off x="185695" y="203945"/>
             <a:ext cx="7041484" cy="6450110"/>
+          </a:xfrm>
+          <a:prstGeom prst="rect">
+            <a:avLst/>
+          </a:prstGeom>
+        </p:spPr>
+      </p:pic>
+      <p:pic>
+        <p:nvPicPr>
+          <p:cNvPr id="5" name="Imagen 4">
+            <a:extLst>
+              <a:ext uri="{FF2B5EF4-FFF2-40B4-BE49-F238E27FC236}">
+                <a16:creationId xmlns:a16="http://schemas.microsoft.com/office/drawing/2014/main" id="{5425395C-C673-4B0F-9B70-7CA13C352B1B}"/>
+              </a:ext>
+            </a:extLst>
+          </p:cNvPr>
+          <p:cNvPicPr>
+            <a:picLocks noChangeAspect="1"/>
+          </p:cNvPicPr>
+          <p:nvPr/>
+        </p:nvPicPr>
+        <p:blipFill>
+          <a:blip r:embed="rId5"/>
+          <a:stretch>
+            <a:fillRect/>
+          </a:stretch>
+        </p:blipFill>
+        <p:spPr>
+          <a:xfrm>
+            <a:off x="185695" y="219664"/>
+            <a:ext cx="736138" cy="751009"/>
           </a:xfrm>
           <a:prstGeom prst="rect">
             <a:avLst/>
@@ -8753,6 +9982,14 @@
 <file path=ppt/slides/slide3.xml><?xml version="1.0" encoding="utf-8"?>
 <p:sld xmlns:a="http://schemas.openxmlformats.org/drawingml/2006/main" xmlns:r="http://schemas.openxmlformats.org/officeDocument/2006/relationships" xmlns:p="http://schemas.openxmlformats.org/presentationml/2006/main">
   <p:cSld>
+    <p:bg>
+      <p:bgPr>
+        <a:solidFill>
+          <a:schemeClr val="bg1"/>
+        </a:solidFill>
+        <a:effectLst/>
+      </p:bgPr>
+    </p:bg>
     <p:spTree>
       <p:nvGrpSpPr>
         <p:cNvPr id="1" name=""/>
@@ -9084,7 +10321,7 @@
         </p:nvSpPr>
         <p:spPr>
           <a:xfrm>
-            <a:off x="660010" y="1037478"/>
+            <a:off x="660010" y="1529850"/>
             <a:ext cx="464234" cy="450167"/>
           </a:xfrm>
           <a:prstGeom prst="chevron">
@@ -9134,7 +10371,7 @@
         </p:nvSpPr>
         <p:spPr>
           <a:xfrm>
-            <a:off x="1383644" y="1118313"/>
+            <a:off x="1383644" y="1512210"/>
             <a:ext cx="4637005" cy="830997"/>
           </a:xfrm>
           <a:prstGeom prst="rect">
@@ -9169,7 +10406,7 @@
         </p:nvSpPr>
         <p:spPr>
           <a:xfrm>
-            <a:off x="660010" y="2382211"/>
+            <a:off x="660010" y="2733907"/>
             <a:ext cx="464234" cy="450167"/>
           </a:xfrm>
           <a:prstGeom prst="chevron">
@@ -9219,7 +10456,7 @@
         </p:nvSpPr>
         <p:spPr>
           <a:xfrm>
-            <a:off x="1308295" y="2463046"/>
+            <a:off x="1308295" y="2730334"/>
             <a:ext cx="4787705" cy="830997"/>
           </a:xfrm>
           <a:prstGeom prst="rect">
@@ -9258,7 +10495,7 @@
         </p:nvSpPr>
         <p:spPr>
           <a:xfrm>
-            <a:off x="1291456" y="3979455"/>
+            <a:off x="1291456" y="3937251"/>
             <a:ext cx="5562928" cy="1200329"/>
           </a:xfrm>
           <a:prstGeom prst="rect">
@@ -9308,7 +10545,7 @@
         </p:nvSpPr>
         <p:spPr>
           <a:xfrm>
-            <a:off x="643171" y="5588200"/>
+            <a:off x="643171" y="5039561"/>
             <a:ext cx="464234" cy="450167"/>
           </a:xfrm>
           <a:prstGeom prst="chevron">
@@ -9358,7 +10595,7 @@
         </p:nvSpPr>
         <p:spPr>
           <a:xfrm>
-            <a:off x="1291456" y="5669035"/>
+            <a:off x="1291456" y="5120396"/>
             <a:ext cx="4637005" cy="461665"/>
           </a:xfrm>
           <a:prstGeom prst="rect">
@@ -9393,7 +10630,7 @@
         </p:nvSpPr>
         <p:spPr>
           <a:xfrm>
-            <a:off x="660010" y="4025623"/>
+            <a:off x="660010" y="3983419"/>
             <a:ext cx="464234" cy="450167"/>
           </a:xfrm>
           <a:prstGeom prst="chevron">
@@ -9429,6 +10666,36 @@
           </a:p>
         </p:txBody>
       </p:sp>
+      <p:pic>
+        <p:nvPicPr>
+          <p:cNvPr id="14" name="Imagen 13">
+            <a:extLst>
+              <a:ext uri="{FF2B5EF4-FFF2-40B4-BE49-F238E27FC236}">
+                <a16:creationId xmlns:a16="http://schemas.microsoft.com/office/drawing/2014/main" id="{CFF57B37-F8A2-4290-B6EC-5454B92A70FF}"/>
+              </a:ext>
+            </a:extLst>
+          </p:cNvPr>
+          <p:cNvPicPr>
+            <a:picLocks noChangeAspect="1"/>
+          </p:cNvPicPr>
+          <p:nvPr/>
+        </p:nvPicPr>
+        <p:blipFill>
+          <a:blip r:embed="rId4"/>
+          <a:stretch>
+            <a:fillRect/>
+          </a:stretch>
+        </p:blipFill>
+        <p:spPr>
+          <a:xfrm>
+            <a:off x="185695" y="219664"/>
+            <a:ext cx="736138" cy="751009"/>
+          </a:xfrm>
+          <a:prstGeom prst="rect">
+            <a:avLst/>
+          </a:prstGeom>
+        </p:spPr>
+      </p:pic>
     </p:spTree>
     <p:extLst>
       <p:ext uri="{BB962C8B-B14F-4D97-AF65-F5344CB8AC3E}">
@@ -9443,8 +10710,16 @@
 </file>
 
 <file path=ppt/slides/slide4.xml><?xml version="1.0" encoding="utf-8"?>
-<p:sld xmlns:a="http://schemas.openxmlformats.org/drawingml/2006/main" xmlns:r="http://schemas.openxmlformats.org/officeDocument/2006/relationships" xmlns:p="http://schemas.openxmlformats.org/presentationml/2006/main">
+<p:sld xmlns:a="http://schemas.openxmlformats.org/drawingml/2006/main" xmlns:r="http://schemas.openxmlformats.org/officeDocument/2006/relationships" xmlns:p="http://schemas.openxmlformats.org/presentationml/2006/main" showMasterSp="0">
   <p:cSld>
+    <p:bg>
+      <p:bgPr>
+        <a:solidFill>
+          <a:schemeClr val="bg1"/>
+        </a:solidFill>
+        <a:effectLst/>
+      </p:bgPr>
+    </p:bg>
     <p:spTree>
       <p:nvGrpSpPr>
         <p:cNvPr id="1" name=""/>
@@ -9776,8 +11051,8 @@
         </p:nvSpPr>
         <p:spPr>
           <a:xfrm>
-            <a:off x="140677" y="351692"/>
-            <a:ext cx="6541477" cy="461665"/>
+            <a:off x="503513" y="842820"/>
+            <a:ext cx="6541477" cy="646331"/>
           </a:xfrm>
           <a:prstGeom prst="rect">
             <a:avLst/>
@@ -9792,7 +11067,7 @@
           <a:p>
             <a:pPr algn="ctr"/>
             <a:r>
-              <a:rPr lang="es-CR" sz="2400" b="1" dirty="0"/>
+              <a:rPr lang="es-CR" sz="3600" b="1" dirty="0"/>
               <a:t>¿Qué es?</a:t>
             </a:r>
           </a:p>
@@ -9817,7 +11092,9 @@
             <a:alphaModFix/>
             <a:duotone>
               <a:prstClr val="black"/>
-              <a:schemeClr val="accent1">
+              <a:schemeClr val="accent4">
+                <a:lumMod val="20000"/>
+                <a:lumOff val="80000"/>
                 <a:tint val="45000"/>
                 <a:satMod val="400000"/>
               </a:schemeClr>
@@ -9829,8 +11106,8 @@
         </p:blipFill>
         <p:spPr>
           <a:xfrm>
-            <a:off x="55871" y="1850169"/>
-            <a:ext cx="8182894" cy="1618344"/>
+            <a:off x="140677" y="1647179"/>
+            <a:ext cx="7301532" cy="1513376"/>
           </a:xfrm>
           <a:prstGeom prst="rect">
             <a:avLst/>
@@ -9859,8 +11136,38 @@
         </p:blipFill>
         <p:spPr>
           <a:xfrm>
-            <a:off x="1020010" y="4353658"/>
+            <a:off x="1020010" y="3429000"/>
             <a:ext cx="5514975" cy="2152650"/>
+          </a:xfrm>
+          <a:prstGeom prst="rect">
+            <a:avLst/>
+          </a:prstGeom>
+        </p:spPr>
+      </p:pic>
+      <p:pic>
+        <p:nvPicPr>
+          <p:cNvPr id="8" name="Imagen 7">
+            <a:extLst>
+              <a:ext uri="{FF2B5EF4-FFF2-40B4-BE49-F238E27FC236}">
+                <a16:creationId xmlns:a16="http://schemas.microsoft.com/office/drawing/2014/main" id="{25F87DE4-5F8E-4BB6-ACC0-E1A183817D35}"/>
+              </a:ext>
+            </a:extLst>
+          </p:cNvPr>
+          <p:cNvPicPr>
+            <a:picLocks noChangeAspect="1"/>
+          </p:cNvPicPr>
+          <p:nvPr/>
+        </p:nvPicPr>
+        <p:blipFill>
+          <a:blip r:embed="rId6"/>
+          <a:stretch>
+            <a:fillRect/>
+          </a:stretch>
+        </p:blipFill>
+        <p:spPr>
+          <a:xfrm>
+            <a:off x="185695" y="219664"/>
+            <a:ext cx="736138" cy="751009"/>
           </a:xfrm>
           <a:prstGeom prst="rect">
             <a:avLst/>
@@ -9881,8 +11188,16 @@
 </file>
 
 <file path=ppt/slides/slide5.xml><?xml version="1.0" encoding="utf-8"?>
-<p:sld xmlns:a="http://schemas.openxmlformats.org/drawingml/2006/main" xmlns:r="http://schemas.openxmlformats.org/officeDocument/2006/relationships" xmlns:p="http://schemas.openxmlformats.org/presentationml/2006/main">
+<p:sld xmlns:a="http://schemas.openxmlformats.org/drawingml/2006/main" xmlns:r="http://schemas.openxmlformats.org/officeDocument/2006/relationships" xmlns:p="http://schemas.openxmlformats.org/presentationml/2006/main" showMasterSp="0">
   <p:cSld>
+    <p:bg>
+      <p:bgPr>
+        <a:solidFill>
+          <a:schemeClr val="bg1"/>
+        </a:solidFill>
+        <a:effectLst/>
+      </p:bgPr>
+    </p:bg>
     <p:spTree>
       <p:nvGrpSpPr>
         <p:cNvPr id="1" name=""/>
@@ -10214,7 +11529,7 @@
         </p:nvSpPr>
         <p:spPr>
           <a:xfrm>
-            <a:off x="295422" y="1028343"/>
+            <a:off x="295422" y="1450373"/>
             <a:ext cx="6893169" cy="4801314"/>
           </a:xfrm>
           <a:prstGeom prst="rect">
@@ -10234,7 +11549,15 @@
             </a:pPr>
             <a:r>
               <a:rPr lang="es-CR" dirty="0"/>
-              <a:t>Busca conseguir la máxima legibilidad y facilidad de publicación tanto de entrada como de salida.</a:t>
+              <a:t>Busca conseguir la </a:t>
+            </a:r>
+            <a:r>
+              <a:rPr lang="es-CR" b="1" dirty="0"/>
+              <a:t>máxima legibilidad y facilidad de publicación</a:t>
+            </a:r>
+            <a:r>
+              <a:rPr lang="es-CR" dirty="0"/>
+              <a:t> tanto de entrada como de salida.</a:t>
             </a:r>
           </a:p>
           <a:p>
@@ -10258,7 +11581,15 @@
             </a:pPr>
             <a:r>
               <a:rPr lang="es-CR" dirty="0"/>
-              <a:t>Une texto narrativo y código para producir resultados con un formato elegante.</a:t>
+              <a:t>Une texto narrativo y código para producir resultados con un </a:t>
+            </a:r>
+            <a:r>
+              <a:rPr lang="es-CR" b="1" dirty="0"/>
+              <a:t>formato elegante</a:t>
+            </a:r>
+            <a:r>
+              <a:rPr lang="es-CR" dirty="0"/>
+              <a:t>.</a:t>
             </a:r>
           </a:p>
           <a:p>
@@ -10290,7 +11621,15 @@
             </a:r>
             <a:r>
               <a:rPr lang="es-CR" dirty="0"/>
-              <a:t> admite docenas de formatos de salida estáticos y dinámicos, incluidos HTML, PDF, Word, diapositivas, libros, aplicaciones, artículos científicos, sitios  web </a:t>
+              <a:t> admite docenas </a:t>
+            </a:r>
+            <a:r>
+              <a:rPr lang="es-CR" b="1" dirty="0"/>
+              <a:t>de formatos de salida </a:t>
+            </a:r>
+            <a:r>
+              <a:rPr lang="es-CR" dirty="0"/>
+              <a:t>estáticos y dinámicos, incluidos HTML, PDF, Word, diapositivas, libros, aplicaciones, artículos científicos, sitios  web </a:t>
             </a:r>
           </a:p>
           <a:p>
@@ -10374,6 +11713,36 @@
           </a:p>
         </p:txBody>
       </p:sp>
+      <p:pic>
+        <p:nvPicPr>
+          <p:cNvPr id="7" name="Imagen 6">
+            <a:extLst>
+              <a:ext uri="{FF2B5EF4-FFF2-40B4-BE49-F238E27FC236}">
+                <a16:creationId xmlns:a16="http://schemas.microsoft.com/office/drawing/2014/main" id="{32094E9B-AEDA-40CD-AD13-3A9DF736FE6B}"/>
+              </a:ext>
+            </a:extLst>
+          </p:cNvPr>
+          <p:cNvPicPr>
+            <a:picLocks noChangeAspect="1"/>
+          </p:cNvPicPr>
+          <p:nvPr/>
+        </p:nvPicPr>
+        <p:blipFill>
+          <a:blip r:embed="rId5"/>
+          <a:stretch>
+            <a:fillRect/>
+          </a:stretch>
+        </p:blipFill>
+        <p:spPr>
+          <a:xfrm>
+            <a:off x="185695" y="219664"/>
+            <a:ext cx="736138" cy="751009"/>
+          </a:xfrm>
+          <a:prstGeom prst="rect">
+            <a:avLst/>
+          </a:prstGeom>
+        </p:spPr>
+      </p:pic>
     </p:spTree>
     <p:extLst>
       <p:ext uri="{BB962C8B-B14F-4D97-AF65-F5344CB8AC3E}">
@@ -10388,8 +11757,16 @@
 </file>
 
 <file path=ppt/slides/slide6.xml><?xml version="1.0" encoding="utf-8"?>
-<p:sld xmlns:a="http://schemas.openxmlformats.org/drawingml/2006/main" xmlns:r="http://schemas.openxmlformats.org/officeDocument/2006/relationships" xmlns:p="http://schemas.openxmlformats.org/presentationml/2006/main">
+<p:sld xmlns:a="http://schemas.openxmlformats.org/drawingml/2006/main" xmlns:r="http://schemas.openxmlformats.org/officeDocument/2006/relationships" xmlns:p="http://schemas.openxmlformats.org/presentationml/2006/main" showMasterSp="0">
   <p:cSld>
+    <p:bg>
+      <p:bgPr>
+        <a:solidFill>
+          <a:schemeClr val="bg1"/>
+        </a:solidFill>
+        <a:effectLst/>
+      </p:bgPr>
+    </p:bg>
     <p:spTree>
       <p:nvGrpSpPr>
         <p:cNvPr id="1" name=""/>
@@ -10728,8 +12105,8 @@
         </p:nvSpPr>
         <p:spPr>
           <a:xfrm>
-            <a:off x="295422" y="1028343"/>
-            <a:ext cx="6893169" cy="5632311"/>
+            <a:off x="295422" y="1464447"/>
+            <a:ext cx="6893169" cy="5078313"/>
           </a:xfrm>
           <a:prstGeom prst="rect">
             <a:avLst/>
@@ -10755,11 +12132,11 @@
               <a:t> es un paquete de R para la construcción de cuadros de mando </a:t>
             </a:r>
             <a:r>
-              <a:rPr lang="es-CR" i="1" dirty="0"/>
+              <a:rPr lang="es-CR" b="1" i="1" dirty="0"/>
               <a:t>web</a:t>
             </a:r>
             <a:r>
-              <a:rPr lang="es-CR" dirty="0"/>
+              <a:rPr lang="es-CR" b="1" dirty="0"/>
               <a:t> interactivos.</a:t>
             </a:r>
           </a:p>
@@ -10782,13 +12159,6 @@
               <a:buFont typeface="Courier New" panose="02070309020205020404" pitchFamily="49" charset="0"/>
               <a:buChar char="o"/>
             </a:pPr>
-            <a:endParaRPr lang="es-CR" dirty="0"/>
-          </a:p>
-          <a:p>
-            <a:pPr marL="285750" indent="-285750">
-              <a:buFont typeface="Courier New" panose="02070309020205020404" pitchFamily="49" charset="0"/>
-              <a:buChar char="o"/>
-            </a:pPr>
             <a:r>
               <a:rPr lang="es-CR" dirty="0"/>
               <a:t>Tiene dos opciones de paquete para crear  paneles de </a:t>
@@ -10802,18 +12172,18 @@
               <a:t>: </a:t>
             </a:r>
             <a:r>
-              <a:rPr lang="es-CR" dirty="0" err="1"/>
+              <a:rPr lang="es-CR" b="1" dirty="0" err="1"/>
               <a:t>flexdashboard</a:t>
             </a:r>
             <a:r>
-              <a:rPr lang="es-CR" dirty="0"/>
+              <a:rPr lang="es-CR" b="1" dirty="0"/>
               <a:t> y </a:t>
             </a:r>
             <a:r>
-              <a:rPr lang="es-CR" i="1" u="sng" dirty="0" err="1"/>
+              <a:rPr lang="es-CR" b="1" i="1" u="sng" dirty="0" err="1"/>
               <a:t>shinydashboard</a:t>
             </a:r>
-            <a:endParaRPr lang="es-CR" i="1" u="sng" dirty="0"/>
+            <a:endParaRPr lang="es-CR" b="1" i="1" u="sng" dirty="0"/>
           </a:p>
           <a:p>
             <a:pPr marL="285750" indent="-285750">
@@ -10842,9 +12212,6 @@
             <a:endParaRPr lang="es-CR" dirty="0"/>
           </a:p>
           <a:p>
-            <a:endParaRPr lang="es-CR" dirty="0"/>
-          </a:p>
-          <a:p>
             <a:pPr marL="285750" indent="-285750">
               <a:buFont typeface="Courier New" panose="02070309020205020404" pitchFamily="49" charset="0"/>
               <a:buChar char="o"/>
@@ -10855,7 +12222,15 @@
             </a:r>
             <a:r>
               <a:rPr lang="es-CR" dirty="0"/>
-              <a:t> se compone de tres partes básicas en su tablero:</a:t>
+              <a:t> se compone </a:t>
+            </a:r>
+            <a:r>
+              <a:rPr lang="es-CR" b="1" dirty="0"/>
+              <a:t>de tres partes básicas </a:t>
+            </a:r>
+            <a:r>
+              <a:rPr lang="es-CR" dirty="0"/>
+              <a:t>en su tablero:</a:t>
             </a:r>
           </a:p>
           <a:p>
@@ -10954,6 +12329,36 @@
           </a:p>
         </p:txBody>
       </p:sp>
+      <p:pic>
+        <p:nvPicPr>
+          <p:cNvPr id="7" name="Imagen 6">
+            <a:extLst>
+              <a:ext uri="{FF2B5EF4-FFF2-40B4-BE49-F238E27FC236}">
+                <a16:creationId xmlns:a16="http://schemas.microsoft.com/office/drawing/2014/main" id="{5BD7319E-1E65-45E3-9C21-8F3E2D6E6642}"/>
+              </a:ext>
+            </a:extLst>
+          </p:cNvPr>
+          <p:cNvPicPr>
+            <a:picLocks noChangeAspect="1"/>
+          </p:cNvPicPr>
+          <p:nvPr/>
+        </p:nvPicPr>
+        <p:blipFill>
+          <a:blip r:embed="rId5"/>
+          <a:stretch>
+            <a:fillRect/>
+          </a:stretch>
+        </p:blipFill>
+        <p:spPr>
+          <a:xfrm>
+            <a:off x="185695" y="219664"/>
+            <a:ext cx="736138" cy="751009"/>
+          </a:xfrm>
+          <a:prstGeom prst="rect">
+            <a:avLst/>
+          </a:prstGeom>
+        </p:spPr>
+      </p:pic>
     </p:spTree>
     <p:extLst>
       <p:ext uri="{BB962C8B-B14F-4D97-AF65-F5344CB8AC3E}">
@@ -10968,8 +12373,16 @@
 </file>
 
 <file path=ppt/slides/slide7.xml><?xml version="1.0" encoding="utf-8"?>
-<p:sld xmlns:a="http://schemas.openxmlformats.org/drawingml/2006/main" xmlns:r="http://schemas.openxmlformats.org/officeDocument/2006/relationships" xmlns:p="http://schemas.openxmlformats.org/presentationml/2006/main">
+<p:sld xmlns:a="http://schemas.openxmlformats.org/drawingml/2006/main" xmlns:r="http://schemas.openxmlformats.org/officeDocument/2006/relationships" xmlns:p="http://schemas.openxmlformats.org/presentationml/2006/main" showMasterSp="0">
   <p:cSld>
+    <p:bg>
+      <p:bgPr>
+        <a:solidFill>
+          <a:schemeClr val="tx1"/>
+        </a:solidFill>
+        <a:effectLst/>
+      </p:bgPr>
+    </p:bg>
     <p:spTree>
       <p:nvGrpSpPr>
         <p:cNvPr id="1" name=""/>
@@ -11053,8 +12466,16 @@
 </file>
 
 <file path=ppt/slides/slide8.xml><?xml version="1.0" encoding="utf-8"?>
-<p:sld xmlns:a="http://schemas.openxmlformats.org/drawingml/2006/main" xmlns:r="http://schemas.openxmlformats.org/officeDocument/2006/relationships" xmlns:p="http://schemas.openxmlformats.org/presentationml/2006/main">
+<p:sld xmlns:a="http://schemas.openxmlformats.org/drawingml/2006/main" xmlns:r="http://schemas.openxmlformats.org/officeDocument/2006/relationships" xmlns:p="http://schemas.openxmlformats.org/presentationml/2006/main" showMasterSp="0">
   <p:cSld>
+    <p:bg>
+      <p:bgPr>
+        <a:solidFill>
+          <a:schemeClr val="tx1"/>
+        </a:solidFill>
+        <a:effectLst/>
+      </p:bgPr>
+    </p:bg>
     <p:spTree>
       <p:nvGrpSpPr>
         <p:cNvPr id="1" name=""/>
@@ -11069,435 +12490,37 @@
           <a:chExt cx="0" cy="0"/>
         </a:xfrm>
       </p:grpSpPr>
-      <p:sp useBgFill="1">
-        <p:nvSpPr>
-          <p:cNvPr id="11" name="Rectángulo 10">
+      <p:sp>
+        <p:nvSpPr>
+          <p:cNvPr id="2" name="Título 1">
             <a:extLst>
               <a:ext uri="{FF2B5EF4-FFF2-40B4-BE49-F238E27FC236}">
-                <a16:creationId xmlns:a16="http://schemas.microsoft.com/office/drawing/2014/main" id="{60344C5B-468D-40BA-8562-BB2A6E423847}"/>
-              </a:ext>
-              <a:ext uri="{C183D7F6-B498-43B3-948B-1728B52AA6E4}">
-                <adec:decorative xmlns:adec="http://schemas.microsoft.com/office/drawing/2017/decorative" val="1"/>
+                <a16:creationId xmlns:a16="http://schemas.microsoft.com/office/drawing/2014/main" id="{CD5477E3-BD21-40C3-8EC3-7F8366725C21}"/>
               </a:ext>
             </a:extLst>
           </p:cNvPr>
           <p:cNvSpPr>
-            <a:spLocks noGrp="1" noRot="1" noChangeAspect="1" noMove="1" noResize="1" noEditPoints="1" noAdjustHandles="1" noChangeArrowheads="1" noChangeShapeType="1" noTextEdit="1"/>
-          </p:cNvSpPr>
-          <p:nvPr>
-            <p:extLst>
-              <p:ext uri="{386F3935-93C4-4BCD-93E2-E3B085C9AB24}">
-                <p16:designElem xmlns:p16="http://schemas.microsoft.com/office/powerpoint/2015/main" val="1"/>
-              </p:ext>
-            </p:extLst>
-          </p:nvPr>
-        </p:nvSpPr>
-        <p:spPr>
-          <a:xfrm>
-            <a:off x="0" y="0"/>
-            <a:ext cx="12192000" cy="6858000"/>
-          </a:xfrm>
-          <a:prstGeom prst="rect">
-            <a:avLst/>
-          </a:prstGeom>
-          <a:ln>
-            <a:noFill/>
-          </a:ln>
-        </p:spPr>
-        <p:style>
-          <a:lnRef idx="2">
-            <a:schemeClr val="accent1">
-              <a:shade val="50000"/>
-            </a:schemeClr>
-          </a:lnRef>
-          <a:fillRef idx="1">
-            <a:schemeClr val="accent1"/>
-          </a:fillRef>
-          <a:effectRef idx="0">
-            <a:schemeClr val="accent1"/>
-          </a:effectRef>
-          <a:fontRef idx="minor">
-            <a:schemeClr val="lt1"/>
-          </a:fontRef>
-        </p:style>
-        <p:txBody>
-          <a:bodyPr rtlCol="0" anchor="ctr"/>
+            <a:spLocks noGrp="1"/>
+          </p:cNvSpPr>
+          <p:nvPr>
+            <p:ph type="title"/>
+          </p:nvPr>
+        </p:nvSpPr>
+        <p:spPr/>
+        <p:txBody>
+          <a:bodyPr/>
           <a:lstStyle/>
           <a:p>
-            <a:pPr algn="ctr" rtl="0"/>
-            <a:endParaRPr lang="es-ES" noProof="1"/>
-          </a:p>
-        </p:txBody>
-      </p:sp>
-      <p:sp>
-        <p:nvSpPr>
-          <p:cNvPr id="13" name="Forma libre 23">
+            <a:endParaRPr lang="es-CR"/>
+          </a:p>
+        </p:txBody>
+      </p:sp>
+      <p:pic>
+        <p:nvPicPr>
+          <p:cNvPr id="5" name="Imagen 4">
             <a:extLst>
               <a:ext uri="{FF2B5EF4-FFF2-40B4-BE49-F238E27FC236}">
-                <a16:creationId xmlns:a16="http://schemas.microsoft.com/office/drawing/2014/main" id="{ECAA8197-DF89-4B95-92DB-575C8AFFACA7}"/>
-              </a:ext>
-              <a:ext uri="{C183D7F6-B498-43B3-948B-1728B52AA6E4}">
-                <adec:decorative xmlns:adec="http://schemas.microsoft.com/office/drawing/2017/decorative" val="1"/>
-              </a:ext>
-            </a:extLst>
-          </p:cNvPr>
-          <p:cNvSpPr>
-            <a:spLocks noGrp="1" noRot="1" noChangeAspect="1" noMove="1" noResize="1" noEditPoints="1" noAdjustHandles="1" noChangeArrowheads="1" noChangeShapeType="1" noTextEdit="1"/>
-          </p:cNvSpPr>
-          <p:nvPr>
-            <p:extLst>
-              <p:ext uri="{386F3935-93C4-4BCD-93E2-E3B085C9AB24}">
-                <p16:designElem xmlns:p16="http://schemas.microsoft.com/office/powerpoint/2015/main" val="1"/>
-              </p:ext>
-            </p:extLst>
-          </p:nvPr>
-        </p:nvSpPr>
-        <p:spPr bwMode="white">
-          <a:xfrm flipH="1">
-            <a:off x="7554995" y="0"/>
-            <a:ext cx="4637005" cy="6858000"/>
-          </a:xfrm>
-          <a:custGeom>
-            <a:avLst/>
-            <a:gdLst>
-              <a:gd name="connsiteX0" fmla="*/ 0 w 4637005"/>
-              <a:gd name="connsiteY0" fmla="*/ 0 h 6858000"/>
-              <a:gd name="connsiteX1" fmla="*/ 4637005 w 4637005"/>
-              <a:gd name="connsiteY1" fmla="*/ 0 h 6858000"/>
-              <a:gd name="connsiteX2" fmla="*/ 4637005 w 4637005"/>
-              <a:gd name="connsiteY2" fmla="*/ 1900238 h 6858000"/>
-              <a:gd name="connsiteX3" fmla="*/ 4266589 w 4637005"/>
-              <a:gd name="connsiteY3" fmla="*/ 2178050 h 6858000"/>
-              <a:gd name="connsiteX4" fmla="*/ 4262355 w 4637005"/>
-              <a:gd name="connsiteY4" fmla="*/ 2184400 h 6858000"/>
-              <a:gd name="connsiteX5" fmla="*/ 4256005 w 4637005"/>
-              <a:gd name="connsiteY5" fmla="*/ 2193925 h 6858000"/>
-              <a:gd name="connsiteX6" fmla="*/ 4249655 w 4637005"/>
-              <a:gd name="connsiteY6" fmla="*/ 2201863 h 6858000"/>
-              <a:gd name="connsiteX7" fmla="*/ 4249655 w 4637005"/>
-              <a:gd name="connsiteY7" fmla="*/ 2211388 h 6858000"/>
-              <a:gd name="connsiteX8" fmla="*/ 4249655 w 4637005"/>
-              <a:gd name="connsiteY8" fmla="*/ 2220913 h 6858000"/>
-              <a:gd name="connsiteX9" fmla="*/ 4256005 w 4637005"/>
-              <a:gd name="connsiteY9" fmla="*/ 2228850 h 6858000"/>
-              <a:gd name="connsiteX10" fmla="*/ 4262355 w 4637005"/>
-              <a:gd name="connsiteY10" fmla="*/ 2238375 h 6858000"/>
-              <a:gd name="connsiteX11" fmla="*/ 4266589 w 4637005"/>
-              <a:gd name="connsiteY11" fmla="*/ 2244725 h 6858000"/>
-              <a:gd name="connsiteX12" fmla="*/ 4637005 w 4637005"/>
-              <a:gd name="connsiteY12" fmla="*/ 2522538 h 6858000"/>
-              <a:gd name="connsiteX13" fmla="*/ 4637005 w 4637005"/>
-              <a:gd name="connsiteY13" fmla="*/ 6858000 h 6858000"/>
-              <a:gd name="connsiteX14" fmla="*/ 0 w 4637005"/>
-              <a:gd name="connsiteY14" fmla="*/ 6858000 h 6858000"/>
-            </a:gdLst>
-            <a:ahLst/>
-            <a:cxnLst>
-              <a:cxn ang="0">
-                <a:pos x="connsiteX0" y="connsiteY0"/>
-              </a:cxn>
-              <a:cxn ang="0">
-                <a:pos x="connsiteX1" y="connsiteY1"/>
-              </a:cxn>
-              <a:cxn ang="0">
-                <a:pos x="connsiteX2" y="connsiteY2"/>
-              </a:cxn>
-              <a:cxn ang="0">
-                <a:pos x="connsiteX3" y="connsiteY3"/>
-              </a:cxn>
-              <a:cxn ang="0">
-                <a:pos x="connsiteX4" y="connsiteY4"/>
-              </a:cxn>
-              <a:cxn ang="0">
-                <a:pos x="connsiteX5" y="connsiteY5"/>
-              </a:cxn>
-              <a:cxn ang="0">
-                <a:pos x="connsiteX6" y="connsiteY6"/>
-              </a:cxn>
-              <a:cxn ang="0">
-                <a:pos x="connsiteX7" y="connsiteY7"/>
-              </a:cxn>
-              <a:cxn ang="0">
-                <a:pos x="connsiteX8" y="connsiteY8"/>
-              </a:cxn>
-              <a:cxn ang="0">
-                <a:pos x="connsiteX9" y="connsiteY9"/>
-              </a:cxn>
-              <a:cxn ang="0">
-                <a:pos x="connsiteX10" y="connsiteY10"/>
-              </a:cxn>
-              <a:cxn ang="0">
-                <a:pos x="connsiteX11" y="connsiteY11"/>
-              </a:cxn>
-              <a:cxn ang="0">
-                <a:pos x="connsiteX12" y="connsiteY12"/>
-              </a:cxn>
-              <a:cxn ang="0">
-                <a:pos x="connsiteX13" y="connsiteY13"/>
-              </a:cxn>
-              <a:cxn ang="0">
-                <a:pos x="connsiteX14" y="connsiteY14"/>
-              </a:cxn>
-            </a:cxnLst>
-            <a:rect l="l" t="t" r="r" b="b"/>
-            <a:pathLst>
-              <a:path w="4637005" h="6858000">
-                <a:moveTo>
-                  <a:pt x="0" y="0"/>
-                </a:moveTo>
-                <a:lnTo>
-                  <a:pt x="4637005" y="0"/>
-                </a:lnTo>
-                <a:lnTo>
-                  <a:pt x="4637005" y="1900238"/>
-                </a:lnTo>
-                <a:lnTo>
-                  <a:pt x="4266589" y="2178050"/>
-                </a:lnTo>
-                <a:lnTo>
-                  <a:pt x="4262355" y="2184400"/>
-                </a:lnTo>
-                <a:lnTo>
-                  <a:pt x="4256005" y="2193925"/>
-                </a:lnTo>
-                <a:lnTo>
-                  <a:pt x="4249655" y="2201863"/>
-                </a:lnTo>
-                <a:lnTo>
-                  <a:pt x="4249655" y="2211388"/>
-                </a:lnTo>
-                <a:lnTo>
-                  <a:pt x="4249655" y="2220913"/>
-                </a:lnTo>
-                <a:lnTo>
-                  <a:pt x="4256005" y="2228850"/>
-                </a:lnTo>
-                <a:lnTo>
-                  <a:pt x="4262355" y="2238375"/>
-                </a:lnTo>
-                <a:lnTo>
-                  <a:pt x="4266589" y="2244725"/>
-                </a:lnTo>
-                <a:lnTo>
-                  <a:pt x="4637005" y="2522538"/>
-                </a:lnTo>
-                <a:lnTo>
-                  <a:pt x="4637005" y="6858000"/>
-                </a:lnTo>
-                <a:lnTo>
-                  <a:pt x="0" y="6858000"/>
-                </a:lnTo>
-                <a:close/>
-              </a:path>
-            </a:pathLst>
-          </a:custGeom>
-          <a:blipFill>
-            <a:blip r:embed="rId3">
-              <a:duotone>
-                <a:schemeClr val="accent1">
-                  <a:tint val="98000"/>
-                  <a:lumMod val="102000"/>
-                </a:schemeClr>
-                <a:schemeClr val="accent1">
-                  <a:shade val="98000"/>
-                  <a:lumMod val="98000"/>
-                </a:schemeClr>
-              </a:duotone>
-            </a:blip>
-            <a:tile tx="0" ty="0" sx="100000" sy="100000" flip="none" algn="tl"/>
-          </a:blipFill>
-          <a:ln>
-            <a:headEnd/>
-            <a:tailEnd/>
-          </a:ln>
-        </p:spPr>
-        <p:style>
-          <a:lnRef idx="1">
-            <a:schemeClr val="accent1"/>
-          </a:lnRef>
-          <a:fillRef idx="3">
-            <a:schemeClr val="accent1"/>
-          </a:fillRef>
-          <a:effectRef idx="2">
-            <a:schemeClr val="accent1"/>
-          </a:effectRef>
-          <a:fontRef idx="minor">
-            <a:schemeClr val="lt1"/>
-          </a:fontRef>
-        </p:style>
-        <p:txBody>
-          <a:bodyPr wrap="square" rtlCol="0" anchor="ctr">
-            <a:noAutofit/>
-          </a:bodyPr>
-          <a:lstStyle/>
-          <a:p>
-            <a:pPr algn="ctr" rtl="0"/>
-            <a:endParaRPr lang="es-ES" noProof="1"/>
-          </a:p>
-        </p:txBody>
-      </p:sp>
-      <p:sp>
-        <p:nvSpPr>
-          <p:cNvPr id="2" name="Título 1">
-            <a:extLst>
-              <a:ext uri="{FF2B5EF4-FFF2-40B4-BE49-F238E27FC236}">
-                <a16:creationId xmlns:a16="http://schemas.microsoft.com/office/drawing/2014/main" id="{5F3F6C66-D6D7-4A72-9928-967AEA400766}"/>
-              </a:ext>
-            </a:extLst>
-          </p:cNvPr>
-          <p:cNvSpPr>
-            <a:spLocks noGrp="1"/>
-          </p:cNvSpPr>
-          <p:nvPr>
-            <p:ph type="title"/>
-          </p:nvPr>
-        </p:nvSpPr>
-        <p:spPr>
-          <a:xfrm>
-            <a:off x="8238765" y="2741526"/>
-            <a:ext cx="3269463" cy="1374949"/>
-          </a:xfrm>
-        </p:spPr>
-        <p:txBody>
-          <a:bodyPr rtlCol="0" anchor="t">
-            <a:normAutofit fontScale="90000"/>
-          </a:bodyPr>
-          <a:lstStyle/>
-          <a:p>
-            <a:pPr algn="ctr" rtl="0"/>
-            <a:r>
-              <a:rPr lang="es-ES" sz="4400" noProof="1"/>
-              <a:t>Shiny </a:t>
-            </a:r>
-            <a:br>
-              <a:rPr lang="es-ES" sz="4400" noProof="1"/>
-            </a:br>
-            <a:r>
-              <a:rPr lang="es-ES" sz="4400" noProof="1"/>
-              <a:t>Dashboards</a:t>
-            </a:r>
-          </a:p>
-        </p:txBody>
-      </p:sp>
-      <p:sp>
-        <p:nvSpPr>
-          <p:cNvPr id="3" name="CuadroTexto 2">
-            <a:extLst>
-              <a:ext uri="{FF2B5EF4-FFF2-40B4-BE49-F238E27FC236}">
-                <a16:creationId xmlns:a16="http://schemas.microsoft.com/office/drawing/2014/main" id="{52708D8C-3C97-4B4E-A2DE-DA30948E7098}"/>
-              </a:ext>
-            </a:extLst>
-          </p:cNvPr>
-          <p:cNvSpPr txBox="1"/>
-          <p:nvPr/>
-        </p:nvSpPr>
-        <p:spPr>
-          <a:xfrm>
-            <a:off x="319941" y="0"/>
-            <a:ext cx="6893169" cy="3416320"/>
-          </a:xfrm>
-          <a:prstGeom prst="rect">
-            <a:avLst/>
-          </a:prstGeom>
-          <a:noFill/>
-        </p:spPr>
-        <p:txBody>
-          <a:bodyPr wrap="square" rtlCol="0">
-            <a:spAutoFit/>
-          </a:bodyPr>
-          <a:lstStyle/>
-          <a:p>
-            <a:endParaRPr lang="es-CR" dirty="0"/>
-          </a:p>
-          <a:p>
-            <a:endParaRPr lang="es-CR" dirty="0"/>
-          </a:p>
-          <a:p>
-            <a:pPr marL="285750" indent="-285750">
-              <a:buFont typeface="Courier New" panose="02070309020205020404" pitchFamily="49" charset="0"/>
-              <a:buChar char="o"/>
-            </a:pPr>
-            <a:r>
-              <a:rPr lang="es-CR" dirty="0"/>
-              <a:t>  Tiene dos elementos: </a:t>
-            </a:r>
-          </a:p>
-          <a:p>
-            <a:pPr marL="285750" indent="-285750">
-              <a:buFont typeface="Courier New" panose="02070309020205020404" pitchFamily="49" charset="0"/>
-              <a:buChar char="o"/>
-            </a:pPr>
-            <a:endParaRPr lang="es-CR" dirty="0"/>
-          </a:p>
-          <a:p>
-            <a:r>
-              <a:rPr lang="es-CR" dirty="0"/>
-              <a:t>	UI (</a:t>
-            </a:r>
-            <a:r>
-              <a:rPr lang="es-CR" dirty="0" err="1"/>
-              <a:t>user</a:t>
-            </a:r>
-            <a:r>
-              <a:rPr lang="es-CR" dirty="0"/>
-              <a:t> interface): </a:t>
-            </a:r>
-          </a:p>
-          <a:p>
-            <a:pPr lvl="1"/>
-            <a:r>
-              <a:rPr lang="es-CR" dirty="0"/>
-              <a:t>Maneja tanto los </a:t>
-            </a:r>
-            <a:r>
-              <a:rPr lang="es-CR" b="1" dirty="0"/>
-              <a:t>controles del usuario </a:t>
-            </a:r>
-            <a:r>
-              <a:rPr lang="es-CR" dirty="0"/>
-              <a:t>como el diseño y la </a:t>
-            </a:r>
-            <a:r>
-              <a:rPr lang="es-CR" b="1" dirty="0"/>
-              <a:t>ubicación</a:t>
-            </a:r>
-            <a:r>
-              <a:rPr lang="es-CR" dirty="0"/>
-              <a:t> de los elementos de salida, como gráficos o tablas.</a:t>
-            </a:r>
-          </a:p>
-          <a:p>
-            <a:endParaRPr lang="es-CR" dirty="0"/>
-          </a:p>
-          <a:p>
-            <a:r>
-              <a:rPr lang="es-CR" dirty="0"/>
-              <a:t>	SERVER: </a:t>
-            </a:r>
-          </a:p>
-          <a:p>
-            <a:pPr lvl="1"/>
-            <a:r>
-              <a:rPr lang="es-CR" dirty="0"/>
-              <a:t>Maneja todos los </a:t>
-            </a:r>
-            <a:r>
-              <a:rPr lang="es-CR" b="1" dirty="0"/>
-              <a:t>cálculos y la generación </a:t>
-            </a:r>
-            <a:r>
-              <a:rPr lang="es-CR" dirty="0"/>
-              <a:t>de gráficos para el UI </a:t>
-            </a:r>
-          </a:p>
-        </p:txBody>
-      </p:sp>
-      <p:pic>
-        <p:nvPicPr>
-          <p:cNvPr id="6" name="Imagen 5">
-            <a:extLst>
-              <a:ext uri="{FF2B5EF4-FFF2-40B4-BE49-F238E27FC236}">
-                <a16:creationId xmlns:a16="http://schemas.microsoft.com/office/drawing/2014/main" id="{44DD7BF5-44B6-4C68-8FE8-09A85971C1B6}"/>
+                <a16:creationId xmlns:a16="http://schemas.microsoft.com/office/drawing/2014/main" id="{CE951F0A-C7FD-40F0-84ED-E2B659EE50B1}"/>
               </a:ext>
             </a:extLst>
           </p:cNvPr>
@@ -11506,112 +12529,103 @@
           </p:cNvPicPr>
           <p:nvPr/>
         </p:nvPicPr>
-        <p:blipFill rotWithShape="1">
-          <a:blip r:embed="rId4"/>
-          <a:srcRect l="2196" r="5058"/>
-          <a:stretch/>
+        <p:blipFill>
+          <a:blip r:embed="rId2"/>
+          <a:stretch>
+            <a:fillRect/>
+          </a:stretch>
         </p:blipFill>
         <p:spPr>
           <a:xfrm>
-            <a:off x="319941" y="3970318"/>
-            <a:ext cx="7235052" cy="2705100"/>
+            <a:off x="-11185" y="302455"/>
+            <a:ext cx="12214370" cy="6253090"/>
           </a:xfrm>
           <a:prstGeom prst="rect">
             <a:avLst/>
           </a:prstGeom>
         </p:spPr>
       </p:pic>
+      <p:sp>
+        <p:nvSpPr>
+          <p:cNvPr id="6" name="CuadroTexto 5">
+            <a:extLst>
+              <a:ext uri="{FF2B5EF4-FFF2-40B4-BE49-F238E27FC236}">
+                <a16:creationId xmlns:a16="http://schemas.microsoft.com/office/drawing/2014/main" id="{799181D8-1039-4E07-BF3D-A087152C7291}"/>
+              </a:ext>
+            </a:extLst>
+          </p:cNvPr>
+          <p:cNvSpPr txBox="1"/>
+          <p:nvPr/>
+        </p:nvSpPr>
+        <p:spPr>
+          <a:xfrm>
+            <a:off x="10684042" y="6410812"/>
+            <a:ext cx="1331495" cy="369332"/>
+          </a:xfrm>
+          <a:prstGeom prst="rect">
+            <a:avLst/>
+          </a:prstGeom>
+          <a:noFill/>
+        </p:spPr>
+        <p:txBody>
+          <a:bodyPr wrap="square" rtlCol="0">
+            <a:spAutoFit/>
+          </a:bodyPr>
+          <a:lstStyle/>
+          <a:p>
+            <a:r>
+              <a:rPr lang="es-CR" dirty="0">
+                <a:solidFill>
+                  <a:schemeClr val="bg1">
+                    <a:lumMod val="65000"/>
+                    <a:lumOff val="35000"/>
+                  </a:schemeClr>
+                </a:solidFill>
+                <a:hlinkClick r:id="rId3">
+                  <a:extLst>
+                    <a:ext uri="{A12FA001-AC4F-418D-AE19-62706E023703}">
+                      <ahyp:hlinkClr xmlns:ahyp="http://schemas.microsoft.com/office/drawing/2018/hyperlinkcolor" val="tx"/>
+                    </a:ext>
+                  </a:extLst>
+                </a:hlinkClick>
+              </a:rPr>
+              <a:t>Fuente</a:t>
+            </a:r>
+            <a:endParaRPr lang="es-CR" dirty="0">
+              <a:solidFill>
+                <a:schemeClr val="bg1">
+                  <a:lumMod val="65000"/>
+                  <a:lumOff val="35000"/>
+                </a:schemeClr>
+              </a:solidFill>
+            </a:endParaRPr>
+          </a:p>
+        </p:txBody>
+      </p:sp>
     </p:spTree>
     <p:extLst>
       <p:ext uri="{BB962C8B-B14F-4D97-AF65-F5344CB8AC3E}">
-        <p14:creationId xmlns:p14="http://schemas.microsoft.com/office/powerpoint/2010/main" val="3625496731"/>
+        <p14:creationId xmlns:p14="http://schemas.microsoft.com/office/powerpoint/2010/main" val="3441461845"/>
       </p:ext>
     </p:extLst>
   </p:cSld>
   <p:clrMapOvr>
-    <a:overrideClrMapping bg1="lt1" tx1="dk1" bg2="lt2" tx2="dk2" accent1="accent1" accent2="accent2" accent3="accent3" accent4="accent4" accent5="accent5" accent6="accent6" hlink="hlink" folHlink="folHlink"/>
+    <a:masterClrMapping/>
   </p:clrMapOvr>
-  <p:timing>
-    <p:tnLst>
-      <p:par>
-        <p:cTn id="1" dur="indefinite" restart="never" nodeType="tmRoot">
-          <p:childTnLst>
-            <p:seq concurrent="1" nextAc="seek">
-              <p:cTn id="2" dur="indefinite" nodeType="mainSeq">
-                <p:childTnLst>
-                  <p:par>
-                    <p:cTn id="3" fill="hold">
-                      <p:stCondLst>
-                        <p:cond delay="indefinite"/>
-                      </p:stCondLst>
-                      <p:childTnLst>
-                        <p:par>
-                          <p:cTn id="4" fill="hold">
-                            <p:stCondLst>
-                              <p:cond delay="0"/>
-                            </p:stCondLst>
-                            <p:childTnLst>
-                              <p:par>
-                                <p:cTn id="5" presetID="1" presetClass="entr" presetSubtype="0" fill="hold" nodeType="clickEffect">
-                                  <p:stCondLst>
-                                    <p:cond delay="0"/>
-                                  </p:stCondLst>
-                                  <p:childTnLst>
-                                    <p:set>
-                                      <p:cBhvr>
-                                        <p:cTn id="6" dur="1" fill="hold">
-                                          <p:stCondLst>
-                                            <p:cond delay="0"/>
-                                          </p:stCondLst>
-                                        </p:cTn>
-                                        <p:tgtEl>
-                                          <p:spTgt spid="6"/>
-                                        </p:tgtEl>
-                                        <p:attrNameLst>
-                                          <p:attrName>style.visibility</p:attrName>
-                                        </p:attrNameLst>
-                                      </p:cBhvr>
-                                      <p:to>
-                                        <p:strVal val="visible"/>
-                                      </p:to>
-                                    </p:set>
-                                  </p:childTnLst>
-                                </p:cTn>
-                              </p:par>
-                            </p:childTnLst>
-                          </p:cTn>
-                        </p:par>
-                      </p:childTnLst>
-                    </p:cTn>
-                  </p:par>
-                </p:childTnLst>
-              </p:cTn>
-              <p:prevCondLst>
-                <p:cond evt="onPrev" delay="0">
-                  <p:tgtEl>
-                    <p:sldTgt/>
-                  </p:tgtEl>
-                </p:cond>
-              </p:prevCondLst>
-              <p:nextCondLst>
-                <p:cond evt="onNext" delay="0">
-                  <p:tgtEl>
-                    <p:sldTgt/>
-                  </p:tgtEl>
-                </p:cond>
-              </p:nextCondLst>
-            </p:seq>
-          </p:childTnLst>
-        </p:cTn>
-      </p:par>
-    </p:tnLst>
-  </p:timing>
 </p:sld>
 </file>
 
 <file path=ppt/slides/slide9.xml><?xml version="1.0" encoding="utf-8"?>
-<p:sld xmlns:a="http://schemas.openxmlformats.org/drawingml/2006/main" xmlns:r="http://schemas.openxmlformats.org/officeDocument/2006/relationships" xmlns:p="http://schemas.openxmlformats.org/presentationml/2006/main">
+<p:sld xmlns:a="http://schemas.openxmlformats.org/drawingml/2006/main" xmlns:r="http://schemas.openxmlformats.org/officeDocument/2006/relationships" xmlns:p="http://schemas.openxmlformats.org/presentationml/2006/main" showMasterSp="0">
   <p:cSld>
+    <p:bg>
+      <p:bgPr>
+        <a:solidFill>
+          <a:schemeClr val="tx1"/>
+        </a:solidFill>
+        <a:effectLst/>
+      </p:bgPr>
+    </p:bg>
     <p:spTree>
       <p:nvGrpSpPr>
         <p:cNvPr id="1" name=""/>
@@ -11626,313 +12640,28 @@
           <a:chExt cx="0" cy="0"/>
         </a:xfrm>
       </p:grpSpPr>
-      <p:sp useBgFill="1">
-        <p:nvSpPr>
-          <p:cNvPr id="11" name="Rectángulo 10">
+      <p:sp>
+        <p:nvSpPr>
+          <p:cNvPr id="2" name="Título 1">
             <a:extLst>
               <a:ext uri="{FF2B5EF4-FFF2-40B4-BE49-F238E27FC236}">
-                <a16:creationId xmlns:a16="http://schemas.microsoft.com/office/drawing/2014/main" id="{60344C5B-468D-40BA-8562-BB2A6E423847}"/>
-              </a:ext>
-              <a:ext uri="{C183D7F6-B498-43B3-948B-1728B52AA6E4}">
-                <adec:decorative xmlns:adec="http://schemas.microsoft.com/office/drawing/2017/decorative" val="1"/>
+                <a16:creationId xmlns:a16="http://schemas.microsoft.com/office/drawing/2014/main" id="{CD5477E3-BD21-40C3-8EC3-7F8366725C21}"/>
               </a:ext>
             </a:extLst>
           </p:cNvPr>
           <p:cNvSpPr>
-            <a:spLocks noGrp="1" noRot="1" noChangeAspect="1" noMove="1" noResize="1" noEditPoints="1" noAdjustHandles="1" noChangeArrowheads="1" noChangeShapeType="1" noTextEdit="1"/>
-          </p:cNvSpPr>
-          <p:nvPr>
-            <p:extLst>
-              <p:ext uri="{386F3935-93C4-4BCD-93E2-E3B085C9AB24}">
-                <p16:designElem xmlns:p16="http://schemas.microsoft.com/office/powerpoint/2015/main" val="1"/>
-              </p:ext>
-            </p:extLst>
-          </p:nvPr>
-        </p:nvSpPr>
-        <p:spPr>
-          <a:xfrm>
-            <a:off x="0" y="0"/>
-            <a:ext cx="12192000" cy="6858000"/>
-          </a:xfrm>
-          <a:prstGeom prst="rect">
-            <a:avLst/>
-          </a:prstGeom>
-          <a:ln>
-            <a:noFill/>
-          </a:ln>
-        </p:spPr>
-        <p:style>
-          <a:lnRef idx="2">
-            <a:schemeClr val="accent1">
-              <a:shade val="50000"/>
-            </a:schemeClr>
-          </a:lnRef>
-          <a:fillRef idx="1">
-            <a:schemeClr val="accent1"/>
-          </a:fillRef>
-          <a:effectRef idx="0">
-            <a:schemeClr val="accent1"/>
-          </a:effectRef>
-          <a:fontRef idx="minor">
-            <a:schemeClr val="lt1"/>
-          </a:fontRef>
-        </p:style>
-        <p:txBody>
-          <a:bodyPr rtlCol="0" anchor="ctr"/>
+            <a:spLocks noGrp="1"/>
+          </p:cNvSpPr>
+          <p:nvPr>
+            <p:ph type="title"/>
+          </p:nvPr>
+        </p:nvSpPr>
+        <p:spPr/>
+        <p:txBody>
+          <a:bodyPr/>
           <a:lstStyle/>
           <a:p>
-            <a:pPr algn="ctr" rtl="0"/>
-            <a:endParaRPr lang="es-ES" noProof="1"/>
-          </a:p>
-        </p:txBody>
-      </p:sp>
-      <p:sp>
-        <p:nvSpPr>
-          <p:cNvPr id="13" name="Forma libre 23">
-            <a:extLst>
-              <a:ext uri="{FF2B5EF4-FFF2-40B4-BE49-F238E27FC236}">
-                <a16:creationId xmlns:a16="http://schemas.microsoft.com/office/drawing/2014/main" id="{ECAA8197-DF89-4B95-92DB-575C8AFFACA7}"/>
-              </a:ext>
-              <a:ext uri="{C183D7F6-B498-43B3-948B-1728B52AA6E4}">
-                <adec:decorative xmlns:adec="http://schemas.microsoft.com/office/drawing/2017/decorative" val="1"/>
-              </a:ext>
-            </a:extLst>
-          </p:cNvPr>
-          <p:cNvSpPr>
-            <a:spLocks noGrp="1" noRot="1" noChangeAspect="1" noMove="1" noResize="1" noEditPoints="1" noAdjustHandles="1" noChangeArrowheads="1" noChangeShapeType="1" noTextEdit="1"/>
-          </p:cNvSpPr>
-          <p:nvPr>
-            <p:extLst>
-              <p:ext uri="{386F3935-93C4-4BCD-93E2-E3B085C9AB24}">
-                <p16:designElem xmlns:p16="http://schemas.microsoft.com/office/powerpoint/2015/main" val="1"/>
-              </p:ext>
-            </p:extLst>
-          </p:nvPr>
-        </p:nvSpPr>
-        <p:spPr bwMode="white">
-          <a:xfrm flipH="1">
-            <a:off x="7554995" y="0"/>
-            <a:ext cx="4637005" cy="6858000"/>
-          </a:xfrm>
-          <a:custGeom>
-            <a:avLst/>
-            <a:gdLst>
-              <a:gd name="connsiteX0" fmla="*/ 0 w 4637005"/>
-              <a:gd name="connsiteY0" fmla="*/ 0 h 6858000"/>
-              <a:gd name="connsiteX1" fmla="*/ 4637005 w 4637005"/>
-              <a:gd name="connsiteY1" fmla="*/ 0 h 6858000"/>
-              <a:gd name="connsiteX2" fmla="*/ 4637005 w 4637005"/>
-              <a:gd name="connsiteY2" fmla="*/ 1900238 h 6858000"/>
-              <a:gd name="connsiteX3" fmla="*/ 4266589 w 4637005"/>
-              <a:gd name="connsiteY3" fmla="*/ 2178050 h 6858000"/>
-              <a:gd name="connsiteX4" fmla="*/ 4262355 w 4637005"/>
-              <a:gd name="connsiteY4" fmla="*/ 2184400 h 6858000"/>
-              <a:gd name="connsiteX5" fmla="*/ 4256005 w 4637005"/>
-              <a:gd name="connsiteY5" fmla="*/ 2193925 h 6858000"/>
-              <a:gd name="connsiteX6" fmla="*/ 4249655 w 4637005"/>
-              <a:gd name="connsiteY6" fmla="*/ 2201863 h 6858000"/>
-              <a:gd name="connsiteX7" fmla="*/ 4249655 w 4637005"/>
-              <a:gd name="connsiteY7" fmla="*/ 2211388 h 6858000"/>
-              <a:gd name="connsiteX8" fmla="*/ 4249655 w 4637005"/>
-              <a:gd name="connsiteY8" fmla="*/ 2220913 h 6858000"/>
-              <a:gd name="connsiteX9" fmla="*/ 4256005 w 4637005"/>
-              <a:gd name="connsiteY9" fmla="*/ 2228850 h 6858000"/>
-              <a:gd name="connsiteX10" fmla="*/ 4262355 w 4637005"/>
-              <a:gd name="connsiteY10" fmla="*/ 2238375 h 6858000"/>
-              <a:gd name="connsiteX11" fmla="*/ 4266589 w 4637005"/>
-              <a:gd name="connsiteY11" fmla="*/ 2244725 h 6858000"/>
-              <a:gd name="connsiteX12" fmla="*/ 4637005 w 4637005"/>
-              <a:gd name="connsiteY12" fmla="*/ 2522538 h 6858000"/>
-              <a:gd name="connsiteX13" fmla="*/ 4637005 w 4637005"/>
-              <a:gd name="connsiteY13" fmla="*/ 6858000 h 6858000"/>
-              <a:gd name="connsiteX14" fmla="*/ 0 w 4637005"/>
-              <a:gd name="connsiteY14" fmla="*/ 6858000 h 6858000"/>
-            </a:gdLst>
-            <a:ahLst/>
-            <a:cxnLst>
-              <a:cxn ang="0">
-                <a:pos x="connsiteX0" y="connsiteY0"/>
-              </a:cxn>
-              <a:cxn ang="0">
-                <a:pos x="connsiteX1" y="connsiteY1"/>
-              </a:cxn>
-              <a:cxn ang="0">
-                <a:pos x="connsiteX2" y="connsiteY2"/>
-              </a:cxn>
-              <a:cxn ang="0">
-                <a:pos x="connsiteX3" y="connsiteY3"/>
-              </a:cxn>
-              <a:cxn ang="0">
-                <a:pos x="connsiteX4" y="connsiteY4"/>
-              </a:cxn>
-              <a:cxn ang="0">
-                <a:pos x="connsiteX5" y="connsiteY5"/>
-              </a:cxn>
-              <a:cxn ang="0">
-                <a:pos x="connsiteX6" y="connsiteY6"/>
-              </a:cxn>
-              <a:cxn ang="0">
-                <a:pos x="connsiteX7" y="connsiteY7"/>
-              </a:cxn>
-              <a:cxn ang="0">
-                <a:pos x="connsiteX8" y="connsiteY8"/>
-              </a:cxn>
-              <a:cxn ang="0">
-                <a:pos x="connsiteX9" y="connsiteY9"/>
-              </a:cxn>
-              <a:cxn ang="0">
-                <a:pos x="connsiteX10" y="connsiteY10"/>
-              </a:cxn>
-              <a:cxn ang="0">
-                <a:pos x="connsiteX11" y="connsiteY11"/>
-              </a:cxn>
-              <a:cxn ang="0">
-                <a:pos x="connsiteX12" y="connsiteY12"/>
-              </a:cxn>
-              <a:cxn ang="0">
-                <a:pos x="connsiteX13" y="connsiteY13"/>
-              </a:cxn>
-              <a:cxn ang="0">
-                <a:pos x="connsiteX14" y="connsiteY14"/>
-              </a:cxn>
-            </a:cxnLst>
-            <a:rect l="l" t="t" r="r" b="b"/>
-            <a:pathLst>
-              <a:path w="4637005" h="6858000">
-                <a:moveTo>
-                  <a:pt x="0" y="0"/>
-                </a:moveTo>
-                <a:lnTo>
-                  <a:pt x="4637005" y="0"/>
-                </a:lnTo>
-                <a:lnTo>
-                  <a:pt x="4637005" y="1900238"/>
-                </a:lnTo>
-                <a:lnTo>
-                  <a:pt x="4266589" y="2178050"/>
-                </a:lnTo>
-                <a:lnTo>
-                  <a:pt x="4262355" y="2184400"/>
-                </a:lnTo>
-                <a:lnTo>
-                  <a:pt x="4256005" y="2193925"/>
-                </a:lnTo>
-                <a:lnTo>
-                  <a:pt x="4249655" y="2201863"/>
-                </a:lnTo>
-                <a:lnTo>
-                  <a:pt x="4249655" y="2211388"/>
-                </a:lnTo>
-                <a:lnTo>
-                  <a:pt x="4249655" y="2220913"/>
-                </a:lnTo>
-                <a:lnTo>
-                  <a:pt x="4256005" y="2228850"/>
-                </a:lnTo>
-                <a:lnTo>
-                  <a:pt x="4262355" y="2238375"/>
-                </a:lnTo>
-                <a:lnTo>
-                  <a:pt x="4266589" y="2244725"/>
-                </a:lnTo>
-                <a:lnTo>
-                  <a:pt x="4637005" y="2522538"/>
-                </a:lnTo>
-                <a:lnTo>
-                  <a:pt x="4637005" y="6858000"/>
-                </a:lnTo>
-                <a:lnTo>
-                  <a:pt x="0" y="6858000"/>
-                </a:lnTo>
-                <a:close/>
-              </a:path>
-            </a:pathLst>
-          </a:custGeom>
-          <a:blipFill>
-            <a:blip r:embed="rId3">
-              <a:duotone>
-                <a:schemeClr val="accent1">
-                  <a:tint val="98000"/>
-                  <a:lumMod val="102000"/>
-                </a:schemeClr>
-                <a:schemeClr val="accent1">
-                  <a:shade val="98000"/>
-                  <a:lumMod val="98000"/>
-                </a:schemeClr>
-              </a:duotone>
-            </a:blip>
-            <a:tile tx="0" ty="0" sx="100000" sy="100000" flip="none" algn="tl"/>
-          </a:blipFill>
-          <a:ln>
-            <a:headEnd/>
-            <a:tailEnd/>
-          </a:ln>
-        </p:spPr>
-        <p:style>
-          <a:lnRef idx="1">
-            <a:schemeClr val="accent1"/>
-          </a:lnRef>
-          <a:fillRef idx="3">
-            <a:schemeClr val="accent1"/>
-          </a:fillRef>
-          <a:effectRef idx="2">
-            <a:schemeClr val="accent1"/>
-          </a:effectRef>
-          <a:fontRef idx="minor">
-            <a:schemeClr val="lt1"/>
-          </a:fontRef>
-        </p:style>
-        <p:txBody>
-          <a:bodyPr wrap="square" rtlCol="0" anchor="ctr">
-            <a:noAutofit/>
-          </a:bodyPr>
-          <a:lstStyle/>
-          <a:p>
-            <a:pPr algn="ctr" rtl="0"/>
-            <a:endParaRPr lang="es-ES" noProof="1"/>
-          </a:p>
-        </p:txBody>
-      </p:sp>
-      <p:sp>
-        <p:nvSpPr>
-          <p:cNvPr id="2" name="Título 1">
-            <a:extLst>
-              <a:ext uri="{FF2B5EF4-FFF2-40B4-BE49-F238E27FC236}">
-                <a16:creationId xmlns:a16="http://schemas.microsoft.com/office/drawing/2014/main" id="{5F3F6C66-D6D7-4A72-9928-967AEA400766}"/>
-              </a:ext>
-            </a:extLst>
-          </p:cNvPr>
-          <p:cNvSpPr>
-            <a:spLocks noGrp="1"/>
-          </p:cNvSpPr>
-          <p:nvPr>
-            <p:ph type="title"/>
-          </p:nvPr>
-        </p:nvSpPr>
-        <p:spPr>
-          <a:xfrm>
-            <a:off x="8238765" y="2741526"/>
-            <a:ext cx="3269463" cy="1374949"/>
-          </a:xfrm>
-        </p:spPr>
-        <p:txBody>
-          <a:bodyPr rtlCol="0" anchor="t">
-            <a:normAutofit fontScale="90000"/>
-          </a:bodyPr>
-          <a:lstStyle/>
-          <a:p>
-            <a:pPr algn="ctr" rtl="0"/>
-            <a:r>
-              <a:rPr lang="es-ES" sz="4400" noProof="1"/>
-              <a:t>Shiny </a:t>
-            </a:r>
-            <a:br>
-              <a:rPr lang="es-ES" sz="4400" noProof="1"/>
-            </a:br>
-            <a:r>
-              <a:rPr lang="es-ES" sz="4400" noProof="1"/>
-              <a:t>Dashboards</a:t>
-            </a:r>
+            <a:endParaRPr lang="es-CR"/>
           </a:p>
         </p:txBody>
       </p:sp>
@@ -11941,7 +12670,7 @@
           <p:cNvPr id="4" name="Imagen 3">
             <a:extLst>
               <a:ext uri="{FF2B5EF4-FFF2-40B4-BE49-F238E27FC236}">
-                <a16:creationId xmlns:a16="http://schemas.microsoft.com/office/drawing/2014/main" id="{6CD2FF4D-2404-4D91-BE58-AD9AC1688BBF}"/>
+                <a16:creationId xmlns:a16="http://schemas.microsoft.com/office/drawing/2014/main" id="{B3B9ED92-52D3-4C3C-AC10-70AA5384968F}"/>
               </a:ext>
             </a:extLst>
           </p:cNvPr>
@@ -11950,30 +12679,88 @@
           </p:cNvPicPr>
           <p:nvPr/>
         </p:nvPicPr>
-        <p:blipFill rotWithShape="1">
-          <a:blip r:embed="rId4"/>
-          <a:srcRect l="8134" r="8286"/>
-          <a:stretch/>
+        <p:blipFill>
+          <a:blip r:embed="rId2"/>
+          <a:stretch>
+            <a:fillRect/>
+          </a:stretch>
         </p:blipFill>
         <p:spPr>
           <a:xfrm>
-            <a:off x="449944" y="1346480"/>
-            <a:ext cx="6633642" cy="4165040"/>
+            <a:off x="810000" y="0"/>
+            <a:ext cx="10145024" cy="6626278"/>
           </a:xfrm>
           <a:prstGeom prst="rect">
             <a:avLst/>
           </a:prstGeom>
         </p:spPr>
       </p:pic>
+      <p:sp>
+        <p:nvSpPr>
+          <p:cNvPr id="6" name="CuadroTexto 5">
+            <a:extLst>
+              <a:ext uri="{FF2B5EF4-FFF2-40B4-BE49-F238E27FC236}">
+                <a16:creationId xmlns:a16="http://schemas.microsoft.com/office/drawing/2014/main" id="{E8E0AB39-20FA-45C0-98EB-82E8A98D15CD}"/>
+              </a:ext>
+            </a:extLst>
+          </p:cNvPr>
+          <p:cNvSpPr txBox="1"/>
+          <p:nvPr/>
+        </p:nvSpPr>
+        <p:spPr>
+          <a:xfrm>
+            <a:off x="11168511" y="6368716"/>
+            <a:ext cx="1023489" cy="369332"/>
+          </a:xfrm>
+          <a:prstGeom prst="rect">
+            <a:avLst/>
+          </a:prstGeom>
+          <a:noFill/>
+        </p:spPr>
+        <p:txBody>
+          <a:bodyPr wrap="square" rtlCol="0">
+            <a:spAutoFit/>
+          </a:bodyPr>
+          <a:lstStyle/>
+          <a:p>
+            <a:r>
+              <a:rPr lang="es-CR" dirty="0">
+                <a:solidFill>
+                  <a:schemeClr val="bg1">
+                    <a:lumMod val="65000"/>
+                    <a:lumOff val="35000"/>
+                  </a:schemeClr>
+                </a:solidFill>
+                <a:hlinkClick r:id="rId3">
+                  <a:extLst>
+                    <a:ext uri="{A12FA001-AC4F-418D-AE19-62706E023703}">
+                      <ahyp:hlinkClr xmlns:ahyp="http://schemas.microsoft.com/office/drawing/2018/hyperlinkcolor" val="tx"/>
+                    </a:ext>
+                  </a:extLst>
+                </a:hlinkClick>
+              </a:rPr>
+              <a:t>Fuente:</a:t>
+            </a:r>
+            <a:endParaRPr lang="es-CR" dirty="0">
+              <a:solidFill>
+                <a:schemeClr val="bg1">
+                  <a:lumMod val="65000"/>
+                  <a:lumOff val="35000"/>
+                </a:schemeClr>
+              </a:solidFill>
+            </a:endParaRPr>
+          </a:p>
+        </p:txBody>
+      </p:sp>
     </p:spTree>
     <p:extLst>
       <p:ext uri="{BB962C8B-B14F-4D97-AF65-F5344CB8AC3E}">
-        <p14:creationId xmlns:p14="http://schemas.microsoft.com/office/powerpoint/2010/main" val="1836226208"/>
+        <p14:creationId xmlns:p14="http://schemas.microsoft.com/office/powerpoint/2010/main" val="2742497581"/>
       </p:ext>
     </p:extLst>
   </p:cSld>
   <p:clrMapOvr>
-    <a:overrideClrMapping bg1="lt1" tx1="dk1" bg2="lt2" tx2="dk2" accent1="accent1" accent2="accent2" accent3="accent3" accent4="accent4" accent5="accent5" accent6="accent6" hlink="hlink" folHlink="folHlink"/>
+    <a:masterClrMapping/>
   </p:clrMapOvr>
 </p:sld>
 </file>
@@ -12806,24 +13593,6 @@
 </file>
 
 <file path=customXml/item1.xml><?xml version="1.0" encoding="utf-8"?>
-<p:properties xmlns:p="http://schemas.microsoft.com/office/2006/metadata/properties" xmlns:xsi="http://www.w3.org/2001/XMLSchema-instance" xmlns:pc="http://schemas.microsoft.com/office/infopath/2007/PartnerControls">
-  <documentManagement>
-    <Status xmlns="71af3243-3dd4-4a8d-8c0d-dd76da1f02a5">Not started</Status>
-    <MediaServiceKeyPoints xmlns="71af3243-3dd4-4a8d-8c0d-dd76da1f02a5" xsi:nil="true"/>
-  </documentManagement>
-</p:properties>
-</file>
-
-<file path=customXml/item2.xml><?xml version="1.0" encoding="utf-8"?>
-<?mso-contentType ?>
-<FormTemplates xmlns="http://schemas.microsoft.com/sharepoint/v3/contenttype/forms">
-  <Display>DocumentLibraryForm</Display>
-  <Edit>DocumentLibraryForm</Edit>
-  <New>DocumentLibraryForm</New>
-</FormTemplates>
-</file>
-
-<file path=customXml/item3.xml><?xml version="1.0" encoding="utf-8"?>
 <ct:contentTypeSchema xmlns:ct="http://schemas.microsoft.com/office/2006/metadata/contentType" xmlns:ma="http://schemas.microsoft.com/office/2006/metadata/properties/metaAttributes" ct:_="" ma:_="" ma:contentTypeName="Document" ma:contentTypeID="0x01010079F111ED35F8CC479449609E8A0923A6" ma:contentTypeVersion="12" ma:contentTypeDescription="Create a new document." ma:contentTypeScope="" ma:versionID="93813dd7ca6ad654711aa0ab317e03a3">
   <xsd:schema xmlns:xsd="http://www.w3.org/2001/XMLSchema" xmlns:xs="http://www.w3.org/2001/XMLSchema" xmlns:p="http://schemas.microsoft.com/office/2006/metadata/properties" xmlns:ns2="71af3243-3dd4-4a8d-8c0d-dd76da1f02a5" xmlns:ns3="16c05727-aa75-4e4a-9b5f-8a80a1165891" targetNamespace="http://schemas.microsoft.com/office/2006/metadata/properties" ma:root="true" ma:fieldsID="f11dc0ce689dd3925e84e4e35398c6e7" ns2:_="" ns3:_="">
     <xsd:import namespace="71af3243-3dd4-4a8d-8c0d-dd76da1f02a5"/>
@@ -13044,25 +13813,25 @@
 </ct:contentTypeSchema>
 </file>
 
-<file path=customXml/itemProps1.xml><?xml version="1.0" encoding="utf-8"?>
-<ds:datastoreItem xmlns:ds="http://schemas.openxmlformats.org/officeDocument/2006/customXml" ds:itemID="{5E15C130-17B0-43C9-B99C-584294C40B51}">
-  <ds:schemaRefs>
-    <ds:schemaRef ds:uri="http://schemas.microsoft.com/office/2006/metadata/properties"/>
-    <ds:schemaRef ds:uri="http://schemas.microsoft.com/office/infopath/2007/PartnerControls"/>
-    <ds:schemaRef ds:uri="71af3243-3dd4-4a8d-8c0d-dd76da1f02a5"/>
-  </ds:schemaRefs>
-</ds:datastoreItem>
+<file path=customXml/item2.xml><?xml version="1.0" encoding="utf-8"?>
+<?mso-contentType ?>
+<FormTemplates xmlns="http://schemas.microsoft.com/sharepoint/v3/contenttype/forms">
+  <Display>DocumentLibraryForm</Display>
+  <Edit>DocumentLibraryForm</Edit>
+  <New>DocumentLibraryForm</New>
+</FormTemplates>
 </file>
 
-<file path=customXml/itemProps2.xml><?xml version="1.0" encoding="utf-8"?>
-<ds:datastoreItem xmlns:ds="http://schemas.openxmlformats.org/officeDocument/2006/customXml" ds:itemID="{6E1812AF-5C4C-4B75-9015-C90088D3D4BF}">
-  <ds:schemaRefs>
-    <ds:schemaRef ds:uri="http://schemas.microsoft.com/sharepoint/v3/contenttype/forms"/>
-  </ds:schemaRefs>
-</ds:datastoreItem>
+<file path=customXml/item3.xml><?xml version="1.0" encoding="utf-8"?>
+<p:properties xmlns:p="http://schemas.microsoft.com/office/2006/metadata/properties" xmlns:xsi="http://www.w3.org/2001/XMLSchema-instance" xmlns:pc="http://schemas.microsoft.com/office/infopath/2007/PartnerControls">
+  <documentManagement>
+    <Status xmlns="71af3243-3dd4-4a8d-8c0d-dd76da1f02a5">Not started</Status>
+    <MediaServiceKeyPoints xmlns="71af3243-3dd4-4a8d-8c0d-dd76da1f02a5" xsi:nil="true"/>
+  </documentManagement>
+</p:properties>
 </file>
 
-<file path=customXml/itemProps3.xml><?xml version="1.0" encoding="utf-8"?>
+<file path=customXml/itemProps1.xml><?xml version="1.0" encoding="utf-8"?>
 <ds:datastoreItem xmlns:ds="http://schemas.openxmlformats.org/officeDocument/2006/customXml" ds:itemID="{BF0B771C-53D0-4C6A-8C2A-F95E45907FFE}">
   <ds:schemaRefs>
     <ds:schemaRef ds:uri="http://schemas.microsoft.com/office/2006/metadata/contentType"/>
@@ -13079,4 +13848,29 @@
     <ds:schemaRef ds:uri="http://schemas.microsoft.com/internal/obd"/>
   </ds:schemaRefs>
 </ds:datastoreItem>
+</file>
+
+<file path=customXml/itemProps2.xml><?xml version="1.0" encoding="utf-8"?>
+<ds:datastoreItem xmlns:ds="http://schemas.openxmlformats.org/officeDocument/2006/customXml" ds:itemID="{6E1812AF-5C4C-4B75-9015-C90088D3D4BF}">
+  <ds:schemaRefs>
+    <ds:schemaRef ds:uri="http://schemas.microsoft.com/sharepoint/v3/contenttype/forms"/>
+  </ds:schemaRefs>
+</ds:datastoreItem>
+</file>
+
+<file path=customXml/itemProps3.xml><?xml version="1.0" encoding="utf-8"?>
+<ds:datastoreItem xmlns:ds="http://schemas.openxmlformats.org/officeDocument/2006/customXml" ds:itemID="{5E15C130-17B0-43C9-B99C-584294C40B51}">
+  <ds:schemaRefs>
+    <ds:schemaRef ds:uri="http://purl.org/dc/terms/"/>
+    <ds:schemaRef ds:uri="http://schemas.openxmlformats.org/package/2006/metadata/core-properties"/>
+    <ds:schemaRef ds:uri="16c05727-aa75-4e4a-9b5f-8a80a1165891"/>
+    <ds:schemaRef ds:uri="http://purl.org/dc/dcmitype/"/>
+    <ds:schemaRef ds:uri="http://schemas.microsoft.com/office/infopath/2007/PartnerControls"/>
+    <ds:schemaRef ds:uri="http://purl.org/dc/elements/1.1/"/>
+    <ds:schemaRef ds:uri="http://schemas.microsoft.com/office/2006/metadata/properties"/>
+    <ds:schemaRef ds:uri="http://schemas.microsoft.com/office/2006/documentManagement/types"/>
+    <ds:schemaRef ds:uri="71af3243-3dd4-4a8d-8c0d-dd76da1f02a5"/>
+    <ds:schemaRef ds:uri="http://www.w3.org/XML/1998/namespace"/>
+  </ds:schemaRefs>
+</ds:datastoreItem>
 </file>